--- a/apresentacoes/foco-produtividade/aula-27-recuperacao-renovacao.pptx
+++ b/apresentacoes/foco-produtividade/aula-27-recuperacao-renovacao.pptx
@@ -1286,62 +1286,6 @@
 </p:sldLayout>
 </file>
 
-<file path=ppt/slideLayouts/slideLayout2.xml><?xml version="1.0" encoding="utf-8"?>
-<p:sldLayout xmlns:a="http://schemas.openxmlformats.org/drawingml/2006/main" xmlns:r="http://schemas.openxmlformats.org/officeDocument/2006/relationships" xmlns:p="http://schemas.openxmlformats.org/presentationml/2006/main" preserve="1">
-  <p:cSld name="MASTER">
-    <p:bg>
-      <p:bgPr>
-        <a:solidFill>
-          <a:srgbClr val="1A1A2E"/>
-        </a:solidFill>
-      </p:bgPr>
-    </p:bg>
-    <p:spTree>
-      <p:nvGrpSpPr>
-        <p:cNvPr id="1" name=""/>
-        <p:cNvGrpSpPr/>
-        <p:nvPr/>
-      </p:nvGrpSpPr>
-      <p:grpSpPr>
-        <a:xfrm>
-          <a:off x="0" y="0"/>
-          <a:ext cx="0" cy="0"/>
-          <a:chOff x="0" y="0"/>
-          <a:chExt cx="0" cy="0"/>
-        </a:xfrm>
-      </p:grpSpPr>
-      <p:pic>
-        <p:nvPicPr>
-          <p:cNvPr id="2" name="Image 0" descr="preencoded.png">    </p:cNvPr>
-          <p:cNvPicPr>
-            <a:picLocks noChangeAspect="1"/>
-          </p:cNvPicPr>
-          <p:nvPr/>
-        </p:nvPicPr>
-        <p:blipFill>
-          <a:blip r:embed="rId1"/>
-          <a:stretch>
-            <a:fillRect/>
-          </a:stretch>
-        </p:blipFill>
-        <p:spPr>
-          <a:xfrm>
-            <a:off x="274320" y="182880"/>
-            <a:ext cx="1097280" cy="457200"/>
-          </a:xfrm>
-          <a:prstGeom prst="rect">
-            <a:avLst/>
-          </a:prstGeom>
-        </p:spPr>
-      </p:pic>
-    </p:spTree>
-  </p:cSld>
-  <p:clrMapOvr>
-    <a:masterClrMapping/>
-  </p:clrMapOvr>
-</p:sldLayout>
-</file>
-
 <file path=ppt/slideMasters/slideMaster1.xml><?xml version="1.0" encoding="utf-8"?>
 <p:sldMaster xmlns:a="http://schemas.openxmlformats.org/drawingml/2006/main" xmlns:r="http://schemas.openxmlformats.org/officeDocument/2006/relationships" xmlns:p="http://schemas.openxmlformats.org/presentationml/2006/main">
   <p:cSld>
@@ -1364,7 +1308,6 @@
   <p:clrMap bg1="lt1" tx1="dk1" bg2="lt2" tx2="dk2" accent1="accent1" accent2="accent2" accent3="accent3" accent4="accent4" accent5="accent5" accent6="accent6" hlink="hlink" folHlink="folHlink"/>
   <p:sldLayoutIdLst>
     <p:sldLayoutId id="2147483649" r:id="rId1"/>
-    <p:sldLayoutId id="2147483650" r:id="rId2"/>
   </p:sldLayoutIdLst>
   <p:hf sldNum="0" hdr="0" ftr="0" dt="0"/>
   <p:txStyles>
@@ -1623,6 +1566,13 @@
 <file path=ppt/slides/slide1.xml><?xml version="1.0" encoding="utf-8"?>
 <p:sld xmlns:a="http://schemas.openxmlformats.org/drawingml/2006/main" xmlns:r="http://schemas.openxmlformats.org/officeDocument/2006/relationships" xmlns:p="http://schemas.openxmlformats.org/presentationml/2006/main">
   <p:cSld name="Slide 1">
+    <p:bg>
+      <p:bgPr>
+        <a:solidFill>
+          <a:srgbClr val="1A1A2E"/>
+        </a:solidFill>
+      </p:bgPr>
+    </p:bg>
     <p:spTree>
       <p:nvGrpSpPr>
         <p:cNvPr id="1" name=""/>
@@ -1637,9 +1587,33 @@
           <a:chExt cx="0" cy="0"/>
         </a:xfrm>
       </p:grpSpPr>
-      <p:sp>
-        <p:nvSpPr>
-          <p:cNvPr id="2" name="Shape 0"/>
+      <p:pic>
+        <p:nvPicPr>
+          <p:cNvPr id="2" name="Image 0" descr="preencoded.png">    </p:cNvPr>
+          <p:cNvPicPr>
+            <a:picLocks noChangeAspect="1"/>
+          </p:cNvPicPr>
+          <p:nvPr/>
+        </p:nvPicPr>
+        <p:blipFill>
+          <a:blip r:embed="rId1"/>
+          <a:stretch>
+            <a:fillRect/>
+          </a:stretch>
+        </p:blipFill>
+        <p:spPr>
+          <a:xfrm>
+            <a:off x="274320" y="137160"/>
+            <a:ext cx="1097280" cy="457200"/>
+          </a:xfrm>
+          <a:prstGeom prst="rect">
+            <a:avLst/>
+          </a:prstGeom>
+        </p:spPr>
+      </p:pic>
+      <p:sp>
+        <p:nvSpPr>
+          <p:cNvPr id="3" name="Shape 0"/>
           <p:cNvSpPr/>
           <p:nvPr/>
         </p:nvSpPr>
@@ -1659,7 +1633,7 @@
       </p:sp>
       <p:sp>
         <p:nvSpPr>
-          <p:cNvPr id="3" name="Text 1"/>
+          <p:cNvPr id="4" name="Text 1"/>
           <p:cNvSpPr/>
           <p:nvPr/>
         </p:nvSpPr>
@@ -1698,7 +1672,7 @@
       </p:sp>
       <p:sp>
         <p:nvSpPr>
-          <p:cNvPr id="4" name="Text 2"/>
+          <p:cNvPr id="5" name="Text 2"/>
           <p:cNvSpPr/>
           <p:nvPr/>
         </p:nvSpPr>
@@ -1737,7 +1711,7 @@
       </p:sp>
       <p:sp>
         <p:nvSpPr>
-          <p:cNvPr id="5" name="Text 3"/>
+          <p:cNvPr id="6" name="Text 3"/>
           <p:cNvSpPr/>
           <p:nvPr/>
         </p:nvSpPr>
@@ -1776,7 +1750,7 @@
       </p:sp>
       <p:sp>
         <p:nvSpPr>
-          <p:cNvPr id="6" name="Text 4"/>
+          <p:cNvPr id="7" name="Text 4"/>
           <p:cNvSpPr/>
           <p:nvPr/>
         </p:nvSpPr>
@@ -1815,7 +1789,7 @@
       </p:sp>
       <p:sp>
         <p:nvSpPr>
-          <p:cNvPr id="7" name="Shape 5"/>
+          <p:cNvPr id="8" name="Shape 5"/>
           <p:cNvSpPr/>
           <p:nvPr/>
         </p:nvSpPr>
@@ -1844,6 +1818,13 @@
 <file path=ppt/slides/slide2.xml><?xml version="1.0" encoding="utf-8"?>
 <p:sld xmlns:a="http://schemas.openxmlformats.org/drawingml/2006/main" xmlns:r="http://schemas.openxmlformats.org/officeDocument/2006/relationships" xmlns:p="http://schemas.openxmlformats.org/presentationml/2006/main">
   <p:cSld name="Slide 2">
+    <p:bg>
+      <p:bgPr>
+        <a:solidFill>
+          <a:srgbClr val="1A1A2E"/>
+        </a:solidFill>
+      </p:bgPr>
+    </p:bg>
     <p:spTree>
       <p:nvGrpSpPr>
         <p:cNvPr id="1" name=""/>
@@ -1858,9 +1839,33 @@
           <a:chExt cx="0" cy="0"/>
         </a:xfrm>
       </p:grpSpPr>
-      <p:sp>
-        <p:nvSpPr>
-          <p:cNvPr id="2" name="Shape 0"/>
+      <p:pic>
+        <p:nvPicPr>
+          <p:cNvPr id="2" name="Image 0" descr="preencoded.png">    </p:cNvPr>
+          <p:cNvPicPr>
+            <a:picLocks noChangeAspect="1"/>
+          </p:cNvPicPr>
+          <p:nvPr/>
+        </p:nvPicPr>
+        <p:blipFill>
+          <a:blip r:embed="rId1"/>
+          <a:stretch>
+            <a:fillRect/>
+          </a:stretch>
+        </p:blipFill>
+        <p:spPr>
+          <a:xfrm>
+            <a:off x="274320" y="137160"/>
+            <a:ext cx="1097280" cy="457200"/>
+          </a:xfrm>
+          <a:prstGeom prst="rect">
+            <a:avLst/>
+          </a:prstGeom>
+        </p:spPr>
+      </p:pic>
+      <p:sp>
+        <p:nvSpPr>
+          <p:cNvPr id="3" name="Shape 0"/>
           <p:cNvSpPr/>
           <p:nvPr/>
         </p:nvSpPr>
@@ -1880,7 +1885,7 @@
       </p:sp>
       <p:sp>
         <p:nvSpPr>
-          <p:cNvPr id="3" name="Text 1"/>
+          <p:cNvPr id="4" name="Text 1"/>
           <p:cNvSpPr/>
           <p:nvPr/>
         </p:nvSpPr>
@@ -1919,7 +1924,7 @@
       </p:sp>
       <p:sp>
         <p:nvSpPr>
-          <p:cNvPr id="4" name="Text 2"/>
+          <p:cNvPr id="5" name="Text 2"/>
           <p:cNvSpPr/>
           <p:nvPr/>
         </p:nvSpPr>
@@ -1960,7 +1965,7 @@
       </p:sp>
       <p:sp>
         <p:nvSpPr>
-          <p:cNvPr id="5" name="Text 3"/>
+          <p:cNvPr id="6" name="Text 3"/>
           <p:cNvSpPr/>
           <p:nvPr/>
         </p:nvSpPr>
@@ -1991,7 +1996,7 @@
                 <a:ea typeface="Arial" pitchFamily="34" charset="-122"/>
                 <a:cs typeface="Arial" pitchFamily="34" charset="-120"/>
               </a:rPr>
-              <a:t>Entender a ciência da recuperação</a:t>
+              <a:t>Entender ciência da recuperação</a:t>
             </a:r>
             <a:endParaRPr lang="en-US" sz="1600" dirty="0"/>
           </a:p>
@@ -1999,7 +2004,7 @@
       </p:sp>
       <p:sp>
         <p:nvSpPr>
-          <p:cNvPr id="6" name="Text 4"/>
+          <p:cNvPr id="7" name="Text 4"/>
           <p:cNvSpPr/>
           <p:nvPr/>
         </p:nvSpPr>
@@ -2040,7 +2045,7 @@
       </p:sp>
       <p:sp>
         <p:nvSpPr>
-          <p:cNvPr id="7" name="Text 5"/>
+          <p:cNvPr id="8" name="Text 5"/>
           <p:cNvSpPr/>
           <p:nvPr/>
         </p:nvSpPr>
@@ -2071,7 +2076,7 @@
                 <a:ea typeface="Arial" pitchFamily="34" charset="-122"/>
                 <a:cs typeface="Arial" pitchFamily="34" charset="-120"/>
               </a:rPr>
-              <a:t>Aplicar micro e macro recuperação</a:t>
+              <a:t>Aplicar micro e macro</a:t>
             </a:r>
             <a:endParaRPr lang="en-US" sz="1600" dirty="0"/>
           </a:p>
@@ -2079,7 +2084,7 @@
       </p:sp>
       <p:sp>
         <p:nvSpPr>
-          <p:cNvPr id="8" name="Text 6"/>
+          <p:cNvPr id="9" name="Text 6"/>
           <p:cNvSpPr/>
           <p:nvPr/>
         </p:nvSpPr>
@@ -2120,7 +2125,7 @@
       </p:sp>
       <p:sp>
         <p:nvSpPr>
-          <p:cNvPr id="9" name="Text 7"/>
+          <p:cNvPr id="10" name="Text 7"/>
           <p:cNvSpPr/>
           <p:nvPr/>
         </p:nvSpPr>
@@ -2168,6 +2173,13 @@
 <file path=ppt/slides/slide3.xml><?xml version="1.0" encoding="utf-8"?>
 <p:sld xmlns:a="http://schemas.openxmlformats.org/drawingml/2006/main" xmlns:r="http://schemas.openxmlformats.org/officeDocument/2006/relationships" xmlns:p="http://schemas.openxmlformats.org/presentationml/2006/main">
   <p:cSld name="Slide 3">
+    <p:bg>
+      <p:bgPr>
+        <a:solidFill>
+          <a:srgbClr val="1A1A2E"/>
+        </a:solidFill>
+      </p:bgPr>
+    </p:bg>
     <p:spTree>
       <p:nvGrpSpPr>
         <p:cNvPr id="1" name=""/>
@@ -2182,9 +2194,33 @@
           <a:chExt cx="0" cy="0"/>
         </a:xfrm>
       </p:grpSpPr>
-      <p:sp>
-        <p:nvSpPr>
-          <p:cNvPr id="2" name="Shape 0"/>
+      <p:pic>
+        <p:nvPicPr>
+          <p:cNvPr id="2" name="Image 0" descr="preencoded.png">    </p:cNvPr>
+          <p:cNvPicPr>
+            <a:picLocks noChangeAspect="1"/>
+          </p:cNvPicPr>
+          <p:nvPr/>
+        </p:nvPicPr>
+        <p:blipFill>
+          <a:blip r:embed="rId1"/>
+          <a:stretch>
+            <a:fillRect/>
+          </a:stretch>
+        </p:blipFill>
+        <p:spPr>
+          <a:xfrm>
+            <a:off x="274320" y="137160"/>
+            <a:ext cx="1097280" cy="457200"/>
+          </a:xfrm>
+          <a:prstGeom prst="rect">
+            <a:avLst/>
+          </a:prstGeom>
+        </p:spPr>
+      </p:pic>
+      <p:sp>
+        <p:nvSpPr>
+          <p:cNvPr id="3" name="Shape 0"/>
           <p:cNvSpPr/>
           <p:nvPr/>
         </p:nvSpPr>
@@ -2204,7 +2240,7 @@
       </p:sp>
       <p:sp>
         <p:nvSpPr>
-          <p:cNvPr id="3" name="Text 1"/>
+          <p:cNvPr id="4" name="Text 1"/>
           <p:cNvSpPr/>
           <p:nvPr/>
         </p:nvSpPr>
@@ -2235,7 +2271,7 @@
                 <a:ea typeface="Arial" pitchFamily="34" charset="-122"/>
                 <a:cs typeface="Arial" pitchFamily="34" charset="-120"/>
               </a:rPr>
-              <a:t>Ciência da Recuperação</a:t>
+              <a:t>Ciência</a:t>
             </a:r>
             <a:endParaRPr lang="en-US" sz="1800" dirty="0"/>
           </a:p>
@@ -2243,7 +2279,7 @@
       </p:sp>
       <p:sp>
         <p:nvSpPr>
-          <p:cNvPr id="4" name="Text 2"/>
+          <p:cNvPr id="5" name="Text 2"/>
           <p:cNvSpPr/>
           <p:nvPr/>
         </p:nvSpPr>
@@ -2282,7 +2318,7 @@
       </p:sp>
       <p:sp>
         <p:nvSpPr>
-          <p:cNvPr id="5" name="Text 3"/>
+          <p:cNvPr id="6" name="Text 3"/>
           <p:cNvSpPr/>
           <p:nvPr/>
         </p:nvSpPr>
@@ -2313,7 +2349,7 @@
                 <a:ea typeface="Arial" pitchFamily="34" charset="-122"/>
                 <a:cs typeface="Arial" pitchFamily="34" charset="-120"/>
               </a:rPr>
-              <a:t>Por que descanso é produtivo</a:t>
+              <a:t>Descanso é produtivo</a:t>
             </a:r>
             <a:endParaRPr lang="en-US" sz="1500" dirty="0"/>
           </a:p>
@@ -2321,7 +2357,7 @@
       </p:sp>
       <p:sp>
         <p:nvSpPr>
-          <p:cNvPr id="6" name="Text 4"/>
+          <p:cNvPr id="7" name="Text 4"/>
           <p:cNvSpPr/>
           <p:nvPr/>
         </p:nvSpPr>
@@ -2360,7 +2396,7 @@
       </p:sp>
       <p:sp>
         <p:nvSpPr>
-          <p:cNvPr id="7" name="Text 5"/>
+          <p:cNvPr id="8" name="Text 5"/>
           <p:cNvSpPr/>
           <p:nvPr/>
         </p:nvSpPr>
@@ -2399,7 +2435,7 @@
       </p:sp>
       <p:sp>
         <p:nvSpPr>
-          <p:cNvPr id="8" name="Text 6"/>
+          <p:cNvPr id="9" name="Text 6"/>
           <p:cNvSpPr/>
           <p:nvPr/>
         </p:nvSpPr>
@@ -2438,7 +2474,7 @@
       </p:sp>
       <p:sp>
         <p:nvSpPr>
-          <p:cNvPr id="9" name="Text 7"/>
+          <p:cNvPr id="10" name="Text 7"/>
           <p:cNvSpPr/>
           <p:nvPr/>
         </p:nvSpPr>
@@ -2486,6 +2522,13 @@
 <file path=ppt/slides/slide4.xml><?xml version="1.0" encoding="utf-8"?>
 <p:sld xmlns:a="http://schemas.openxmlformats.org/drawingml/2006/main" xmlns:r="http://schemas.openxmlformats.org/officeDocument/2006/relationships" xmlns:p="http://schemas.openxmlformats.org/presentationml/2006/main">
   <p:cSld name="Slide 4">
+    <p:bg>
+      <p:bgPr>
+        <a:solidFill>
+          <a:srgbClr val="1A1A2E"/>
+        </a:solidFill>
+      </p:bgPr>
+    </p:bg>
     <p:spTree>
       <p:nvGrpSpPr>
         <p:cNvPr id="1" name=""/>
@@ -2500,9 +2543,33 @@
           <a:chExt cx="0" cy="0"/>
         </a:xfrm>
       </p:grpSpPr>
-      <p:sp>
-        <p:nvSpPr>
-          <p:cNvPr id="2" name="Shape 0"/>
+      <p:pic>
+        <p:nvPicPr>
+          <p:cNvPr id="2" name="Image 0" descr="preencoded.png">    </p:cNvPr>
+          <p:cNvPicPr>
+            <a:picLocks noChangeAspect="1"/>
+          </p:cNvPicPr>
+          <p:nvPr/>
+        </p:nvPicPr>
+        <p:blipFill>
+          <a:blip r:embed="rId1"/>
+          <a:stretch>
+            <a:fillRect/>
+          </a:stretch>
+        </p:blipFill>
+        <p:spPr>
+          <a:xfrm>
+            <a:off x="274320" y="137160"/>
+            <a:ext cx="1097280" cy="457200"/>
+          </a:xfrm>
+          <a:prstGeom prst="rect">
+            <a:avLst/>
+          </a:prstGeom>
+        </p:spPr>
+      </p:pic>
+      <p:sp>
+        <p:nvSpPr>
+          <p:cNvPr id="3" name="Shape 0"/>
           <p:cNvSpPr/>
           <p:nvPr/>
         </p:nvSpPr>
@@ -2522,7 +2589,7 @@
       </p:sp>
       <p:sp>
         <p:nvSpPr>
-          <p:cNvPr id="3" name="Text 1"/>
+          <p:cNvPr id="4" name="Text 1"/>
           <p:cNvSpPr/>
           <p:nvPr/>
         </p:nvSpPr>
@@ -2561,7 +2628,7 @@
       </p:sp>
       <p:sp>
         <p:nvSpPr>
-          <p:cNvPr id="4" name="Text 2"/>
+          <p:cNvPr id="5" name="Text 2"/>
           <p:cNvSpPr/>
           <p:nvPr/>
         </p:nvSpPr>
@@ -2600,7 +2667,7 @@
       </p:sp>
       <p:sp>
         <p:nvSpPr>
-          <p:cNvPr id="5" name="Text 3"/>
+          <p:cNvPr id="6" name="Text 3"/>
           <p:cNvSpPr/>
           <p:nvPr/>
         </p:nvSpPr>
@@ -2631,7 +2698,7 @@
                 <a:ea typeface="Arial" pitchFamily="34" charset="-122"/>
                 <a:cs typeface="Arial" pitchFamily="34" charset="-120"/>
               </a:rPr>
-              <a:t>Pausas durante o dia</a:t>
+              <a:t>Pausas durante dia</a:t>
             </a:r>
             <a:endParaRPr lang="en-US" sz="1500" dirty="0"/>
           </a:p>
@@ -2639,7 +2706,7 @@
       </p:sp>
       <p:sp>
         <p:nvSpPr>
-          <p:cNvPr id="6" name="Text 4"/>
+          <p:cNvPr id="7" name="Text 4"/>
           <p:cNvSpPr/>
           <p:nvPr/>
         </p:nvSpPr>
@@ -2678,7 +2745,7 @@
       </p:sp>
       <p:sp>
         <p:nvSpPr>
-          <p:cNvPr id="7" name="Text 5"/>
+          <p:cNvPr id="8" name="Text 5"/>
           <p:cNvSpPr/>
           <p:nvPr/>
         </p:nvSpPr>
@@ -2709,7 +2776,7 @@
                 <a:ea typeface="Arial" pitchFamily="34" charset="-122"/>
                 <a:cs typeface="Arial" pitchFamily="34" charset="-120"/>
               </a:rPr>
-              <a:t>Respiração consciente</a:t>
+              <a:t>Respiração</a:t>
             </a:r>
             <a:endParaRPr lang="en-US" sz="1500" dirty="0"/>
           </a:p>
@@ -2717,7 +2784,7 @@
       </p:sp>
       <p:sp>
         <p:nvSpPr>
-          <p:cNvPr id="8" name="Text 6"/>
+          <p:cNvPr id="9" name="Text 6"/>
           <p:cNvSpPr/>
           <p:nvPr/>
         </p:nvSpPr>
@@ -2756,7 +2823,7 @@
       </p:sp>
       <p:sp>
         <p:nvSpPr>
-          <p:cNvPr id="9" name="Text 7"/>
+          <p:cNvPr id="10" name="Text 7"/>
           <p:cNvSpPr/>
           <p:nvPr/>
         </p:nvSpPr>
@@ -2795,7 +2862,7 @@
       </p:sp>
       <p:sp>
         <p:nvSpPr>
-          <p:cNvPr id="10" name="Text 8"/>
+          <p:cNvPr id="11" name="Text 8"/>
           <p:cNvSpPr/>
           <p:nvPr/>
         </p:nvSpPr>
@@ -2834,7 +2901,7 @@
       </p:sp>
       <p:sp>
         <p:nvSpPr>
-          <p:cNvPr id="11" name="Text 9"/>
+          <p:cNvPr id="12" name="Text 9"/>
           <p:cNvSpPr/>
           <p:nvPr/>
         </p:nvSpPr>
@@ -2865,7 +2932,7 @@
                 <a:ea typeface="Arial" pitchFamily="34" charset="-122"/>
                 <a:cs typeface="Arial" pitchFamily="34" charset="-120"/>
               </a:rPr>
-              <a:t>Desconexão digital</a:t>
+              <a:t>Desconexão</a:t>
             </a:r>
             <a:endParaRPr lang="en-US" sz="1500" dirty="0"/>
           </a:p>
@@ -2882,6 +2949,13 @@
 <file path=ppt/slides/slide5.xml><?xml version="1.0" encoding="utf-8"?>
 <p:sld xmlns:a="http://schemas.openxmlformats.org/drawingml/2006/main" xmlns:r="http://schemas.openxmlformats.org/officeDocument/2006/relationships" xmlns:p="http://schemas.openxmlformats.org/presentationml/2006/main">
   <p:cSld name="Slide 5">
+    <p:bg>
+      <p:bgPr>
+        <a:solidFill>
+          <a:srgbClr val="1A1A2E"/>
+        </a:solidFill>
+      </p:bgPr>
+    </p:bg>
     <p:spTree>
       <p:nvGrpSpPr>
         <p:cNvPr id="1" name=""/>
@@ -2896,9 +2970,33 @@
           <a:chExt cx="0" cy="0"/>
         </a:xfrm>
       </p:grpSpPr>
-      <p:sp>
-        <p:nvSpPr>
-          <p:cNvPr id="2" name="Shape 0"/>
+      <p:pic>
+        <p:nvPicPr>
+          <p:cNvPr id="2" name="Image 0" descr="preencoded.png">    </p:cNvPr>
+          <p:cNvPicPr>
+            <a:picLocks noChangeAspect="1"/>
+          </p:cNvPicPr>
+          <p:nvPr/>
+        </p:nvPicPr>
+        <p:blipFill>
+          <a:blip r:embed="rId1"/>
+          <a:stretch>
+            <a:fillRect/>
+          </a:stretch>
+        </p:blipFill>
+        <p:spPr>
+          <a:xfrm>
+            <a:off x="274320" y="137160"/>
+            <a:ext cx="1097280" cy="457200"/>
+          </a:xfrm>
+          <a:prstGeom prst="rect">
+            <a:avLst/>
+          </a:prstGeom>
+        </p:spPr>
+      </p:pic>
+      <p:sp>
+        <p:nvSpPr>
+          <p:cNvPr id="3" name="Shape 0"/>
           <p:cNvSpPr/>
           <p:nvPr/>
         </p:nvSpPr>
@@ -2918,7 +3016,7 @@
       </p:sp>
       <p:sp>
         <p:nvSpPr>
-          <p:cNvPr id="3" name="Text 1"/>
+          <p:cNvPr id="4" name="Text 1"/>
           <p:cNvSpPr/>
           <p:nvPr/>
         </p:nvSpPr>
@@ -2957,7 +3055,7 @@
       </p:sp>
       <p:sp>
         <p:nvSpPr>
-          <p:cNvPr id="4" name="Text 2"/>
+          <p:cNvPr id="5" name="Text 2"/>
           <p:cNvSpPr/>
           <p:nvPr/>
         </p:nvSpPr>
@@ -2996,7 +3094,7 @@
       </p:sp>
       <p:sp>
         <p:nvSpPr>
-          <p:cNvPr id="5" name="Text 3"/>
+          <p:cNvPr id="6" name="Text 3"/>
           <p:cNvSpPr/>
           <p:nvPr/>
         </p:nvSpPr>
@@ -3027,7 +3125,7 @@
                 <a:ea typeface="Arial" pitchFamily="34" charset="-122"/>
                 <a:cs typeface="Arial" pitchFamily="34" charset="-120"/>
               </a:rPr>
-              <a:t>Dia de descanso semanal</a:t>
+              <a:t>Dia de descanso</a:t>
             </a:r>
             <a:endParaRPr lang="en-US" sz="1500" dirty="0"/>
           </a:p>
@@ -3035,7 +3133,7 @@
       </p:sp>
       <p:sp>
         <p:nvSpPr>
-          <p:cNvPr id="6" name="Text 4"/>
+          <p:cNvPr id="7" name="Text 4"/>
           <p:cNvSpPr/>
           <p:nvPr/>
         </p:nvSpPr>
@@ -3074,7 +3172,7 @@
       </p:sp>
       <p:sp>
         <p:nvSpPr>
-          <p:cNvPr id="7" name="Text 5"/>
+          <p:cNvPr id="8" name="Text 5"/>
           <p:cNvSpPr/>
           <p:nvPr/>
         </p:nvSpPr>
@@ -3105,7 +3203,7 @@
                 <a:ea typeface="Arial" pitchFamily="34" charset="-122"/>
                 <a:cs typeface="Arial" pitchFamily="34" charset="-120"/>
               </a:rPr>
-              <a:t>Hobbies não-produtivos</a:t>
+              <a:t>Hobbies</a:t>
             </a:r>
             <a:endParaRPr lang="en-US" sz="1500" dirty="0"/>
           </a:p>
@@ -3113,7 +3211,7 @@
       </p:sp>
       <p:sp>
         <p:nvSpPr>
-          <p:cNvPr id="8" name="Text 6"/>
+          <p:cNvPr id="9" name="Text 6"/>
           <p:cNvSpPr/>
           <p:nvPr/>
         </p:nvSpPr>
@@ -3152,7 +3250,7 @@
       </p:sp>
       <p:sp>
         <p:nvSpPr>
-          <p:cNvPr id="9" name="Text 7"/>
+          <p:cNvPr id="10" name="Text 7"/>
           <p:cNvSpPr/>
           <p:nvPr/>
         </p:nvSpPr>
@@ -3183,7 +3281,7 @@
                 <a:ea typeface="Arial" pitchFamily="34" charset="-122"/>
                 <a:cs typeface="Arial" pitchFamily="34" charset="-120"/>
               </a:rPr>
-              <a:t>Natureza e ar livre</a:t>
+              <a:t>Natureza</a:t>
             </a:r>
             <a:endParaRPr lang="en-US" sz="1500" dirty="0"/>
           </a:p>
@@ -3191,7 +3289,7 @@
       </p:sp>
       <p:sp>
         <p:nvSpPr>
-          <p:cNvPr id="10" name="Text 8"/>
+          <p:cNvPr id="11" name="Text 8"/>
           <p:cNvSpPr/>
           <p:nvPr/>
         </p:nvSpPr>
@@ -3230,7 +3328,7 @@
       </p:sp>
       <p:sp>
         <p:nvSpPr>
-          <p:cNvPr id="11" name="Text 9"/>
+          <p:cNvPr id="12" name="Text 9"/>
           <p:cNvSpPr/>
           <p:nvPr/>
         </p:nvSpPr>
@@ -3278,6 +3376,13 @@
 <file path=ppt/slides/slide6.xml><?xml version="1.0" encoding="utf-8"?>
 <p:sld xmlns:a="http://schemas.openxmlformats.org/drawingml/2006/main" xmlns:r="http://schemas.openxmlformats.org/officeDocument/2006/relationships" xmlns:p="http://schemas.openxmlformats.org/presentationml/2006/main">
   <p:cSld name="Slide 6">
+    <p:bg>
+      <p:bgPr>
+        <a:solidFill>
+          <a:srgbClr val="1A1A2E"/>
+        </a:solidFill>
+      </p:bgPr>
+    </p:bg>
     <p:spTree>
       <p:nvGrpSpPr>
         <p:cNvPr id="1" name=""/>
@@ -3292,9 +3397,33 @@
           <a:chExt cx="0" cy="0"/>
         </a:xfrm>
       </p:grpSpPr>
-      <p:sp>
-        <p:nvSpPr>
-          <p:cNvPr id="2" name="Shape 0"/>
+      <p:pic>
+        <p:nvPicPr>
+          <p:cNvPr id="2" name="Image 0" descr="preencoded.png">    </p:cNvPr>
+          <p:cNvPicPr>
+            <a:picLocks noChangeAspect="1"/>
+          </p:cNvPicPr>
+          <p:nvPr/>
+        </p:nvPicPr>
+        <p:blipFill>
+          <a:blip r:embed="rId1"/>
+          <a:stretch>
+            <a:fillRect/>
+          </a:stretch>
+        </p:blipFill>
+        <p:spPr>
+          <a:xfrm>
+            <a:off x="274320" y="137160"/>
+            <a:ext cx="1097280" cy="457200"/>
+          </a:xfrm>
+          <a:prstGeom prst="rect">
+            <a:avLst/>
+          </a:prstGeom>
+        </p:spPr>
+      </p:pic>
+      <p:sp>
+        <p:nvSpPr>
+          <p:cNvPr id="3" name="Shape 0"/>
           <p:cNvSpPr/>
           <p:nvPr/>
         </p:nvSpPr>
@@ -3314,7 +3443,7 @@
       </p:sp>
       <p:sp>
         <p:nvSpPr>
-          <p:cNvPr id="3" name="Text 1"/>
+          <p:cNvPr id="4" name="Text 1"/>
           <p:cNvSpPr/>
           <p:nvPr/>
         </p:nvSpPr>
@@ -3345,7 +3474,7 @@
                 <a:ea typeface="Arial" pitchFamily="34" charset="-122"/>
                 <a:cs typeface="Arial" pitchFamily="34" charset="-120"/>
               </a:rPr>
-              <a:t>Prevenindo Burnout</a:t>
+              <a:t>Burnout</a:t>
             </a:r>
             <a:endParaRPr lang="en-US" sz="1800" dirty="0"/>
           </a:p>
@@ -3353,7 +3482,7 @@
       </p:sp>
       <p:sp>
         <p:nvSpPr>
-          <p:cNvPr id="4" name="Text 2"/>
+          <p:cNvPr id="5" name="Text 2"/>
           <p:cNvSpPr/>
           <p:nvPr/>
         </p:nvSpPr>
@@ -3392,7 +3521,7 @@
       </p:sp>
       <p:sp>
         <p:nvSpPr>
-          <p:cNvPr id="5" name="Text 3"/>
+          <p:cNvPr id="6" name="Text 3"/>
           <p:cNvSpPr/>
           <p:nvPr/>
         </p:nvSpPr>
@@ -3431,7 +3560,7 @@
       </p:sp>
       <p:sp>
         <p:nvSpPr>
-          <p:cNvPr id="6" name="Text 4"/>
+          <p:cNvPr id="7" name="Text 4"/>
           <p:cNvSpPr/>
           <p:nvPr/>
         </p:nvSpPr>
@@ -3470,7 +3599,7 @@
       </p:sp>
       <p:sp>
         <p:nvSpPr>
-          <p:cNvPr id="7" name="Text 5"/>
+          <p:cNvPr id="8" name="Text 5"/>
           <p:cNvSpPr/>
           <p:nvPr/>
         </p:nvSpPr>
@@ -3501,7 +3630,7 @@
                 <a:ea typeface="Arial" pitchFamily="34" charset="-122"/>
                 <a:cs typeface="Arial" pitchFamily="34" charset="-120"/>
               </a:rPr>
-              <a:t>Ajustando a carga</a:t>
+              <a:t>Ajustar carga</a:t>
             </a:r>
             <a:endParaRPr lang="en-US" sz="1500" dirty="0"/>
           </a:p>
@@ -3509,7 +3638,7 @@
       </p:sp>
       <p:sp>
         <p:nvSpPr>
-          <p:cNvPr id="8" name="Text 6"/>
+          <p:cNvPr id="9" name="Text 6"/>
           <p:cNvSpPr/>
           <p:nvPr/>
         </p:nvSpPr>
@@ -3548,7 +3677,7 @@
       </p:sp>
       <p:sp>
         <p:nvSpPr>
-          <p:cNvPr id="9" name="Text 7"/>
+          <p:cNvPr id="10" name="Text 7"/>
           <p:cNvSpPr/>
           <p:nvPr/>
         </p:nvSpPr>
@@ -3579,7 +3708,7 @@
                 <a:ea typeface="Arial" pitchFamily="34" charset="-122"/>
                 <a:cs typeface="Arial" pitchFamily="34" charset="-120"/>
               </a:rPr>
-              <a:t>Quando parar é mais produtivo</a:t>
+              <a:t>Quando parar</a:t>
             </a:r>
             <a:endParaRPr lang="en-US" sz="1500" dirty="0"/>
           </a:p>
@@ -3596,6 +3725,13 @@
 <file path=ppt/slides/slide7.xml><?xml version="1.0" encoding="utf-8"?>
 <p:sld xmlns:a="http://schemas.openxmlformats.org/drawingml/2006/main" xmlns:r="http://schemas.openxmlformats.org/officeDocument/2006/relationships" xmlns:p="http://schemas.openxmlformats.org/presentationml/2006/main">
   <p:cSld name="Slide 7">
+    <p:bg>
+      <p:bgPr>
+        <a:solidFill>
+          <a:srgbClr val="1A1A2E"/>
+        </a:solidFill>
+      </p:bgPr>
+    </p:bg>
     <p:spTree>
       <p:nvGrpSpPr>
         <p:cNvPr id="1" name=""/>
@@ -3610,9 +3746,33 @@
           <a:chExt cx="0" cy="0"/>
         </a:xfrm>
       </p:grpSpPr>
-      <p:sp>
-        <p:nvSpPr>
-          <p:cNvPr id="2" name="Shape 0"/>
+      <p:pic>
+        <p:nvPicPr>
+          <p:cNvPr id="2" name="Image 0" descr="preencoded.png">    </p:cNvPr>
+          <p:cNvPicPr>
+            <a:picLocks noChangeAspect="1"/>
+          </p:cNvPicPr>
+          <p:nvPr/>
+        </p:nvPicPr>
+        <p:blipFill>
+          <a:blip r:embed="rId1"/>
+          <a:stretch>
+            <a:fillRect/>
+          </a:stretch>
+        </p:blipFill>
+        <p:spPr>
+          <a:xfrm>
+            <a:off x="274320" y="137160"/>
+            <a:ext cx="1097280" cy="457200"/>
+          </a:xfrm>
+          <a:prstGeom prst="rect">
+            <a:avLst/>
+          </a:prstGeom>
+        </p:spPr>
+      </p:pic>
+      <p:sp>
+        <p:nvSpPr>
+          <p:cNvPr id="3" name="Shape 0"/>
           <p:cNvSpPr/>
           <p:nvPr/>
         </p:nvSpPr>
@@ -3632,7 +3792,7 @@
       </p:sp>
       <p:sp>
         <p:nvSpPr>
-          <p:cNvPr id="3" name="Text 1"/>
+          <p:cNvPr id="4" name="Text 1"/>
           <p:cNvSpPr/>
           <p:nvPr/>
         </p:nvSpPr>
@@ -3671,7 +3831,7 @@
       </p:sp>
       <p:sp>
         <p:nvSpPr>
-          <p:cNvPr id="4" name="Text 2"/>
+          <p:cNvPr id="5" name="Text 2"/>
           <p:cNvSpPr/>
           <p:nvPr/>
         </p:nvSpPr>
@@ -3710,7 +3870,7 @@
       </p:sp>
       <p:sp>
         <p:nvSpPr>
-          <p:cNvPr id="5" name="Text 3"/>
+          <p:cNvPr id="6" name="Text 3"/>
           <p:cNvSpPr/>
           <p:nvPr/>
         </p:nvSpPr>
@@ -3741,7 +3901,7 @@
                 <a:ea typeface="Arial" pitchFamily="34" charset="-122"/>
                 <a:cs typeface="Arial" pitchFamily="34" charset="-120"/>
               </a:rPr>
-              <a:t>Recuperação é onde o crescimento acontece</a:t>
+              <a:t>Recuperação = crescimento</a:t>
             </a:r>
             <a:endParaRPr lang="en-US" sz="1500" dirty="0"/>
           </a:p>
@@ -3749,7 +3909,7 @@
       </p:sp>
       <p:sp>
         <p:nvSpPr>
-          <p:cNvPr id="6" name="Text 4"/>
+          <p:cNvPr id="7" name="Text 4"/>
           <p:cNvSpPr/>
           <p:nvPr/>
         </p:nvSpPr>
@@ -3788,7 +3948,7 @@
       </p:sp>
       <p:sp>
         <p:nvSpPr>
-          <p:cNvPr id="7" name="Text 5"/>
+          <p:cNvPr id="8" name="Text 5"/>
           <p:cNvSpPr/>
           <p:nvPr/>
         </p:nvSpPr>
@@ -3819,7 +3979,7 @@
                 <a:ea typeface="Arial" pitchFamily="34" charset="-122"/>
                 <a:cs typeface="Arial" pitchFamily="34" charset="-120"/>
               </a:rPr>
-              <a:t>Micro: pausas, respiração, movimento</a:t>
+              <a:t>Micro: pausas, respiração</a:t>
             </a:r>
             <a:endParaRPr lang="en-US" sz="1500" dirty="0"/>
           </a:p>
@@ -3827,7 +3987,7 @@
       </p:sp>
       <p:sp>
         <p:nvSpPr>
-          <p:cNvPr id="8" name="Text 6"/>
+          <p:cNvPr id="9" name="Text 6"/>
           <p:cNvSpPr/>
           <p:nvPr/>
         </p:nvSpPr>
@@ -3866,7 +4026,7 @@
       </p:sp>
       <p:sp>
         <p:nvSpPr>
-          <p:cNvPr id="9" name="Text 7"/>
+          <p:cNvPr id="10" name="Text 7"/>
           <p:cNvSpPr/>
           <p:nvPr/>
         </p:nvSpPr>
@@ -3897,7 +4057,7 @@
                 <a:ea typeface="Arial" pitchFamily="34" charset="-122"/>
                 <a:cs typeface="Arial" pitchFamily="34" charset="-120"/>
               </a:rPr>
-              <a:t>Macro: dia livre, hobbies, natureza</a:t>
+              <a:t>Macro: dia livre, natureza</a:t>
             </a:r>
             <a:endParaRPr lang="en-US" sz="1500" dirty="0"/>
           </a:p>
@@ -3905,7 +4065,7 @@
       </p:sp>
       <p:sp>
         <p:nvSpPr>
-          <p:cNvPr id="10" name="Text 8"/>
+          <p:cNvPr id="11" name="Text 8"/>
           <p:cNvSpPr/>
           <p:nvPr/>
         </p:nvSpPr>
@@ -3944,7 +4104,7 @@
       </p:sp>
       <p:sp>
         <p:nvSpPr>
-          <p:cNvPr id="11" name="Text 9"/>
+          <p:cNvPr id="12" name="Text 9"/>
           <p:cNvSpPr/>
           <p:nvPr/>
         </p:nvSpPr>
@@ -3975,7 +4135,7 @@
                 <a:ea typeface="Arial" pitchFamily="34" charset="-122"/>
                 <a:cs typeface="Arial" pitchFamily="34" charset="-120"/>
               </a:rPr>
-              <a:t>Previna burnout: reconheça sinais</a:t>
+              <a:t>Previna: reconheça sinais</a:t>
             </a:r>
             <a:endParaRPr lang="en-US" sz="1500" dirty="0"/>
           </a:p>
@@ -3992,6 +4152,13 @@
 <file path=ppt/slides/slide8.xml><?xml version="1.0" encoding="utf-8"?>
 <p:sld xmlns:a="http://schemas.openxmlformats.org/drawingml/2006/main" xmlns:r="http://schemas.openxmlformats.org/officeDocument/2006/relationships" xmlns:p="http://schemas.openxmlformats.org/presentationml/2006/main">
   <p:cSld name="Slide 8">
+    <p:bg>
+      <p:bgPr>
+        <a:solidFill>
+          <a:srgbClr val="1A1A2E"/>
+        </a:solidFill>
+      </p:bgPr>
+    </p:bg>
     <p:spTree>
       <p:nvGrpSpPr>
         <p:cNvPr id="1" name=""/>
@@ -4006,9 +4173,33 @@
           <a:chExt cx="0" cy="0"/>
         </a:xfrm>
       </p:grpSpPr>
-      <p:sp>
-        <p:nvSpPr>
-          <p:cNvPr id="2" name="Shape 0"/>
+      <p:pic>
+        <p:nvPicPr>
+          <p:cNvPr id="2" name="Image 0" descr="preencoded.png">    </p:cNvPr>
+          <p:cNvPicPr>
+            <a:picLocks noChangeAspect="1"/>
+          </p:cNvPicPr>
+          <p:nvPr/>
+        </p:nvPicPr>
+        <p:blipFill>
+          <a:blip r:embed="rId1"/>
+          <a:stretch>
+            <a:fillRect/>
+          </a:stretch>
+        </p:blipFill>
+        <p:spPr>
+          <a:xfrm>
+            <a:off x="274320" y="137160"/>
+            <a:ext cx="1097280" cy="457200"/>
+          </a:xfrm>
+          <a:prstGeom prst="rect">
+            <a:avLst/>
+          </a:prstGeom>
+        </p:spPr>
+      </p:pic>
+      <p:sp>
+        <p:nvSpPr>
+          <p:cNvPr id="3" name="Shape 0"/>
           <p:cNvSpPr/>
           <p:nvPr/>
         </p:nvSpPr>
@@ -4028,7 +4219,7 @@
       </p:sp>
       <p:sp>
         <p:nvSpPr>
-          <p:cNvPr id="3" name="Text 1"/>
+          <p:cNvPr id="4" name="Text 1"/>
           <p:cNvSpPr/>
           <p:nvPr/>
         </p:nvSpPr>
@@ -4067,7 +4258,7 @@
       </p:sp>
       <p:sp>
         <p:nvSpPr>
-          <p:cNvPr id="4" name="Shape 2"/>
+          <p:cNvPr id="5" name="Shape 2"/>
           <p:cNvSpPr/>
           <p:nvPr/>
         </p:nvSpPr>
@@ -4092,7 +4283,7 @@
       </p:sp>
       <p:sp>
         <p:nvSpPr>
-          <p:cNvPr id="5" name="Text 3"/>
+          <p:cNvPr id="6" name="Text 3"/>
           <p:cNvSpPr/>
           <p:nvPr/>
         </p:nvSpPr>
@@ -4123,7 +4314,7 @@
                 <a:ea typeface="Arial" pitchFamily="34" charset="-122"/>
                 <a:cs typeface="Arial" pitchFamily="34" charset="-120"/>
               </a:rPr>
-              <a:t>Auditoria de Recuperação: Avaliar semana + planejar pausas + dia de descanso + comparar foco</a:t>
+              <a:t>Auditoria Recuperação: avaliar + planejar + comparar</a:t>
             </a:r>
             <a:endParaRPr lang="en-US" sz="1500" dirty="0"/>
           </a:p>
@@ -4131,7 +4322,7 @@
       </p:sp>
       <p:sp>
         <p:nvSpPr>
-          <p:cNvPr id="6" name="Text 4"/>
+          <p:cNvPr id="7" name="Text 4"/>
           <p:cNvSpPr/>
           <p:nvPr/>
         </p:nvSpPr>
@@ -4179,6 +4370,13 @@
 <file path=ppt/slides/slide9.xml><?xml version="1.0" encoding="utf-8"?>
 <p:sld xmlns:a="http://schemas.openxmlformats.org/drawingml/2006/main" xmlns:r="http://schemas.openxmlformats.org/officeDocument/2006/relationships" xmlns:p="http://schemas.openxmlformats.org/presentationml/2006/main">
   <p:cSld name="Slide 9">
+    <p:bg>
+      <p:bgPr>
+        <a:solidFill>
+          <a:srgbClr val="1A1A2E"/>
+        </a:solidFill>
+      </p:bgPr>
+    </p:bg>
     <p:spTree>
       <p:nvGrpSpPr>
         <p:cNvPr id="1" name=""/>
@@ -4193,9 +4391,33 @@
           <a:chExt cx="0" cy="0"/>
         </a:xfrm>
       </p:grpSpPr>
-      <p:sp>
-        <p:nvSpPr>
-          <p:cNvPr id="2" name="Shape 0"/>
+      <p:pic>
+        <p:nvPicPr>
+          <p:cNvPr id="2" name="Image 0" descr="preencoded.png">    </p:cNvPr>
+          <p:cNvPicPr>
+            <a:picLocks noChangeAspect="1"/>
+          </p:cNvPicPr>
+          <p:nvPr/>
+        </p:nvPicPr>
+        <p:blipFill>
+          <a:blip r:embed="rId1"/>
+          <a:stretch>
+            <a:fillRect/>
+          </a:stretch>
+        </p:blipFill>
+        <p:spPr>
+          <a:xfrm>
+            <a:off x="274320" y="137160"/>
+            <a:ext cx="1097280" cy="457200"/>
+          </a:xfrm>
+          <a:prstGeom prst="rect">
+            <a:avLst/>
+          </a:prstGeom>
+        </p:spPr>
+      </p:pic>
+      <p:sp>
+        <p:nvSpPr>
+          <p:cNvPr id="3" name="Shape 0"/>
           <p:cNvSpPr/>
           <p:nvPr/>
         </p:nvSpPr>
@@ -4215,7 +4437,7 @@
       </p:sp>
       <p:sp>
         <p:nvSpPr>
-          <p:cNvPr id="3" name="Text 1"/>
+          <p:cNvPr id="4" name="Text 1"/>
           <p:cNvSpPr/>
           <p:nvPr/>
         </p:nvSpPr>
@@ -4254,7 +4476,7 @@
       </p:sp>
       <p:sp>
         <p:nvSpPr>
-          <p:cNvPr id="4" name="Shape 2"/>
+          <p:cNvPr id="5" name="Shape 2"/>
           <p:cNvSpPr/>
           <p:nvPr/>
         </p:nvSpPr>
@@ -4279,7 +4501,7 @@
       </p:sp>
       <p:sp>
         <p:nvSpPr>
-          <p:cNvPr id="5" name="Text 3"/>
+          <p:cNvPr id="6" name="Text 3"/>
           <p:cNvSpPr/>
           <p:nvPr/>
         </p:nvSpPr>
@@ -4310,7 +4532,7 @@
                 <a:ea typeface="Arial" pitchFamily="34" charset="-122"/>
                 <a:cs typeface="Arial" pitchFamily="34" charset="-120"/>
               </a:rPr>
-              <a:t>"Descansar não é parar. É recarregar para trabalhar melhor."</a:t>
+              <a:t>"Descansar é recarregar para trabalhar melhor."</a:t>
             </a:r>
             <a:endParaRPr lang="en-US" sz="1600" dirty="0"/>
           </a:p>
@@ -4318,7 +4540,7 @@
       </p:sp>
       <p:sp>
         <p:nvSpPr>
-          <p:cNvPr id="6" name="Text 4"/>
+          <p:cNvPr id="7" name="Text 4"/>
           <p:cNvSpPr/>
           <p:nvPr/>
         </p:nvSpPr>
@@ -4357,7 +4579,7 @@
       </p:sp>
       <p:sp>
         <p:nvSpPr>
-          <p:cNvPr id="7" name="Text 5"/>
+          <p:cNvPr id="8" name="Text 5"/>
           <p:cNvSpPr/>
           <p:nvPr/>
         </p:nvSpPr>

--- a/apresentacoes/foco-produtividade/aula-27-recuperacao-renovacao.pptx
+++ b/apresentacoes/foco-produtividade/aula-27-recuperacao-renovacao.pptx
@@ -14,9 +14,10 @@
     <p:sldId id="262" r:id="rId8"/>
     <p:sldId id="263" r:id="rId9"/>
     <p:sldId id="264" r:id="rId10"/>
+    <p:sldId id="265" r:id="rId11"/>
   </p:sldIdLst>
   <p:notesMasterIdLst>
-    <p:notesMasterId r:id="rId11"/>
+    <p:notesMasterId r:id="rId12"/>
   </p:notesMasterIdLst>
   <p:sldSz cx="9144000" cy="5143500"/>
   <p:notesSz cx="5143500" cy="9144000"/>
@@ -510,7 +511,8 @@
           <a:p>
             <a:r>
               <a:rPr lang="en-US" dirty="0"/>
-              <a:t/>
+              <a:t>Se você passar meses estudando intensamente sem descanso adequado, vai acontecer uma de duas coisas: ou seu corpo vai te forçar a parar (doença), ou sua mente vai (burnout).
+Recuperação não é o oposto de produtividade. É parte dela.</a:t>
             </a:r>
             <a:endParaRPr lang="en-US" dirty="0"/>
           </a:p>
@@ -534,6 +536,94 @@
             <a:fld id="{F7021451-1387-4CA6-816F-3879F97B5CBC}" type="slidenum">
               <a:rPr lang="en-US"/>
               <a:t>1</a:t>
+            </a:fld>
+            <a:endParaRPr lang="en-US"/>
+          </a:p>
+        </p:txBody>
+      </p:sp>
+    </p:spTree>
+    <p:extLst>
+      <p:ext uri="{BB962C8B-B14F-4D97-AF65-F5344CB8AC3E}">
+        <p14:creationId xmlns:p14="http://schemas.microsoft.com/office/powerpoint/2010/main" val="1024086991"/>
+      </p:ext>
+    </p:extLst>
+  </p:cSld>
+  <p:clrMapOvr>
+    <a:masterClrMapping/>
+  </p:clrMapOvr>
+</p:notes>
+</file>
+
+<file path=ppt/notesSlides/notesSlide10.xml><?xml version="1.0" encoding="utf-8"?>
+<p:notes xmlns:a="http://schemas.openxmlformats.org/drawingml/2006/main" xmlns:r="http://schemas.openxmlformats.org/officeDocument/2006/relationships" xmlns:p="http://schemas.openxmlformats.org/presentationml/2006/main">
+  <p:cSld>
+    <p:spTree>
+      <p:nvGrpSpPr>
+        <p:cNvPr id="1" name=""/>
+        <p:cNvGrpSpPr/>
+        <p:nvPr/>
+      </p:nvGrpSpPr>
+      <p:grpSpPr>
+        <a:xfrm>
+          <a:off x="0" y="0"/>
+          <a:ext cx="0" cy="0"/>
+          <a:chOff x="0" y="0"/>
+          <a:chExt cx="0" cy="0"/>
+        </a:xfrm>
+      </p:grpSpPr>
+      <p:sp>
+        <p:nvSpPr>
+          <p:cNvPr id="2" name="Slide Image Placeholder 1"/>
+          <p:cNvSpPr>
+            <a:spLocks noGrp="1" noRot="1" noChangeAspect="1"/>
+          </p:cNvSpPr>
+          <p:nvPr>
+            <p:ph type="sldImg"/>
+          </p:nvPr>
+        </p:nvSpPr>
+        <p:spPr/>
+      </p:sp>
+      <p:sp>
+        <p:nvSpPr>
+          <p:cNvPr id="3" name="Notes Placeholder 2"/>
+          <p:cNvSpPr>
+            <a:spLocks noGrp="1"/>
+          </p:cNvSpPr>
+          <p:nvPr>
+            <p:ph type="body" idx="1"/>
+          </p:nvPr>
+        </p:nvSpPr>
+        <p:spPr/>
+        <p:txBody>
+          <a:bodyPr/>
+          <a:lstStyle/>
+          <a:p>
+            <a:r>
+              <a:rPr lang="en-US" dirty="0"/>
+              <a:t>O atleta de elite não treina 100% do tempo - ele sabe que descanso é parte do treino. Aplique a mesma mentalidade aos estudos.</a:t>
+            </a:r>
+            <a:endParaRPr lang="en-US" dirty="0"/>
+          </a:p>
+        </p:txBody>
+      </p:sp>
+      <p:sp>
+        <p:nvSpPr>
+          <p:cNvPr id="4" name="Slide Number Placeholder 3"/>
+          <p:cNvSpPr>
+            <a:spLocks noGrp="1"/>
+          </p:cNvSpPr>
+          <p:nvPr>
+            <p:ph type="sldNum" sz="quarter" idx="10"/>
+          </p:nvPr>
+        </p:nvSpPr>
+        <p:spPr/>
+        <p:txBody>
+          <a:bodyPr/>
+          <a:lstStyle/>
+          <a:p>
+            <a:fld id="{F7021451-1387-4CA6-816F-3879F97B5CBC}" type="slidenum">
+              <a:rPr lang="en-US"/>
+              <a:t>10</a:t>
             </a:fld>
             <a:endParaRPr lang="en-US"/>
           </a:p>
@@ -598,7 +688,8 @@
           <a:p>
             <a:r>
               <a:rPr lang="en-US" dirty="0"/>
-              <a:t/>
+              <a:t>Nesta aula, você vai aprender os conceitos principais apresentados nos objetivos. Se você passar meses estudando intensamente sem descanso adequado, vai acontecer uma de duas coisas: ou seu corpo vai te forçar a parar (doença), ou sua mente vai (burnout).
+Recuperação não é o opost</a:t>
             </a:r>
             <a:endParaRPr lang="en-US" dirty="0"/>
           </a:p>
@@ -1038,7 +1129,7 @@
           <a:p>
             <a:r>
               <a:rPr lang="en-US" dirty="0"/>
-              <a:t/>
+              <a:t>Resumo dos pontos principais da aula.</a:t>
             </a:r>
             <a:endParaRPr lang="en-US" dirty="0"/>
           </a:p>
@@ -1126,7 +1217,7 @@
           <a:p>
             <a:r>
               <a:rPr lang="en-US" dirty="0"/>
-              <a:t/>
+              <a:t>Este infográfico resume visualmente os principais conceitos da aula. Use-o para reforçar o aprendizado.</a:t>
             </a:r>
             <a:endParaRPr lang="en-US" dirty="0"/>
           </a:p>
@@ -1214,7 +1305,12 @@
           <a:p>
             <a:r>
               <a:rPr lang="en-US" dirty="0"/>
-              <a:t/>
+              <a:t>Agora é hora da prática! 1. Avalie sua semana passada:
+   - Quantas pausas reais você fez?
+   - Teve dia de descanso completo?
+   - Quanto tempo na natureza/ar livre?
+   - Quanto tempo em hobbies não-produtivos?
+2. Planeje esta semana:</a:t>
             </a:r>
             <a:endParaRPr lang="en-US" dirty="0"/>
           </a:p>
@@ -1640,7 +1736,7 @@
                 <a:ea typeface="Arial" pitchFamily="34" charset="-122"/>
                 <a:cs typeface="Arial" pitchFamily="34" charset="-120"/>
               </a:rPr>
-              <a:t>Módulo 2 - Maestria | Bloco: Maestria</a:t>
+              <a:t>2 - Foco Disperso e Maestria | Bloco: Maestria</a:t>
             </a:r>
             <a:endParaRPr lang="en-US" sz="1400" dirty="0"/>
           </a:p>
@@ -1881,7 +1977,7 @@
                 <a:ea typeface="Arial" pitchFamily="34" charset="-122"/>
                 <a:cs typeface="Arial" pitchFamily="34" charset="-120"/>
               </a:rPr>
-              <a:t>⏱ Duração: ~25 min</a:t>
+              <a:t>⏱ Duração: ~20 minutos</a:t>
             </a:r>
             <a:endParaRPr lang="en-US" sz="1100" dirty="0"/>
           </a:p>
@@ -2017,7 +2113,7 @@
       </p:sp>
       <p:pic>
         <p:nvPicPr>
-          <p:cNvPr id="16" name="Image 0" descr="preencoded.png">    </p:cNvPr>
+          <p:cNvPr id="17" name="Image 0" descr="preencoded.png">    </p:cNvPr>
           <p:cNvPicPr>
             <a:picLocks noChangeAspect="1"/>
           </p:cNvPicPr>
@@ -2033,6 +2129,382 @@
           <a:xfrm>
             <a:off x="7498080" y="4389120"/>
             <a:ext cx="1371600" cy="548640"/>
+          </a:xfrm>
+          <a:prstGeom prst="rect">
+            <a:avLst/>
+          </a:prstGeom>
+        </p:spPr>
+      </p:pic>
+    </p:spTree>
+  </p:cSld>
+  <p:clrMapOvr>
+    <a:masterClrMapping/>
+  </p:clrMapOvr>
+</p:sld>
+</file>
+
+<file path=ppt/slides/slide10.xml><?xml version="1.0" encoding="utf-8"?>
+<p:sld xmlns:a="http://schemas.openxmlformats.org/drawingml/2006/main" xmlns:r="http://schemas.openxmlformats.org/officeDocument/2006/relationships" xmlns:p="http://schemas.openxmlformats.org/presentationml/2006/main">
+  <p:cSld name="Slide 10">
+    <p:bg>
+      <p:bgPr>
+        <a:solidFill>
+          <a:srgbClr val="1A1A2E"/>
+        </a:solidFill>
+      </p:bgPr>
+    </p:bg>
+    <p:spTree>
+      <p:nvGrpSpPr>
+        <p:cNvPr id="1" name=""/>
+        <p:cNvGrpSpPr/>
+        <p:nvPr/>
+      </p:nvGrpSpPr>
+      <p:grpSpPr>
+        <a:xfrm>
+          <a:off x="0" y="0"/>
+          <a:ext cx="0" cy="0"/>
+          <a:chOff x="0" y="0"/>
+          <a:chExt cx="0" cy="0"/>
+        </a:xfrm>
+      </p:grpSpPr>
+      <p:sp>
+        <p:nvSpPr>
+          <p:cNvPr id="2" name="Shape 0"/>
+          <p:cNvSpPr/>
+          <p:nvPr/>
+        </p:nvSpPr>
+        <p:spPr>
+          <a:xfrm>
+            <a:off x="0" y="0"/>
+            <a:ext cx="9144000" cy="822960"/>
+          </a:xfrm>
+          <a:prstGeom prst="rect">
+            <a:avLst/>
+          </a:prstGeom>
+          <a:solidFill>
+            <a:srgbClr val="0F172A"/>
+          </a:solidFill>
+          <a:ln/>
+        </p:spPr>
+      </p:sp>
+      <p:sp>
+        <p:nvSpPr>
+          <p:cNvPr id="3" name="Text 1"/>
+          <p:cNvSpPr/>
+          <p:nvPr/>
+        </p:nvSpPr>
+        <p:spPr>
+          <a:xfrm>
+            <a:off x="457200" y="228600"/>
+            <a:ext cx="8229600" cy="457200"/>
+          </a:xfrm>
+          <a:prstGeom prst="rect">
+            <a:avLst/>
+          </a:prstGeom>
+          <a:noFill/>
+          <a:ln/>
+        </p:spPr>
+        <p:txBody>
+          <a:bodyPr wrap="square" rtlCol="0" anchor="ctr"/>
+          <a:lstStyle/>
+          <a:p>
+            <a:pPr indent="0" marL="0">
+              <a:buNone/>
+            </a:pPr>
+            <a:r>
+              <a:rPr lang="en-US" sz="2000" b="1" dirty="0">
+                <a:solidFill>
+                  <a:srgbClr val="FFFFFF"/>
+                </a:solidFill>
+                <a:latin typeface="Arial" pitchFamily="34" charset="0"/>
+                <a:ea typeface="Arial" pitchFamily="34" charset="-122"/>
+                <a:cs typeface="Arial" pitchFamily="34" charset="-120"/>
+              </a:rPr>
+              <a:t>Aula 27 - Encerramento</a:t>
+            </a:r>
+            <a:endParaRPr lang="en-US" sz="2000" dirty="0"/>
+          </a:p>
+        </p:txBody>
+      </p:sp>
+      <p:sp>
+        <p:nvSpPr>
+          <p:cNvPr id="4" name="Shape 2"/>
+          <p:cNvSpPr/>
+          <p:nvPr/>
+        </p:nvSpPr>
+        <p:spPr>
+          <a:xfrm>
+            <a:off x="0" y="822960"/>
+            <a:ext cx="2743200" cy="91440"/>
+          </a:xfrm>
+          <a:prstGeom prst="rect">
+            <a:avLst/>
+          </a:prstGeom>
+          <a:solidFill>
+            <a:srgbClr val="667EEA"/>
+          </a:solidFill>
+          <a:ln/>
+        </p:spPr>
+      </p:sp>
+      <p:sp>
+        <p:nvSpPr>
+          <p:cNvPr id="5" name="Shape 3"/>
+          <p:cNvSpPr/>
+          <p:nvPr/>
+        </p:nvSpPr>
+        <p:spPr>
+          <a:xfrm>
+            <a:off x="3200400" y="822960"/>
+            <a:ext cx="2743200" cy="91440"/>
+          </a:xfrm>
+          <a:prstGeom prst="rect">
+            <a:avLst/>
+          </a:prstGeom>
+          <a:solidFill>
+            <a:srgbClr val="22C55E"/>
+          </a:solidFill>
+          <a:ln/>
+        </p:spPr>
+      </p:sp>
+      <p:sp>
+        <p:nvSpPr>
+          <p:cNvPr id="6" name="Shape 4"/>
+          <p:cNvSpPr/>
+          <p:nvPr/>
+        </p:nvSpPr>
+        <p:spPr>
+          <a:xfrm>
+            <a:off x="6400800" y="822960"/>
+            <a:ext cx="2743200" cy="91440"/>
+          </a:xfrm>
+          <a:prstGeom prst="rect">
+            <a:avLst/>
+          </a:prstGeom>
+          <a:solidFill>
+            <a:srgbClr val="3B82F6"/>
+          </a:solidFill>
+          <a:ln/>
+        </p:spPr>
+      </p:sp>
+      <p:sp>
+        <p:nvSpPr>
+          <p:cNvPr id="7" name="Shape 5"/>
+          <p:cNvSpPr/>
+          <p:nvPr/>
+        </p:nvSpPr>
+        <p:spPr>
+          <a:xfrm>
+            <a:off x="914400" y="1371600"/>
+            <a:ext cx="7315200" cy="1828800"/>
+          </a:xfrm>
+          <a:prstGeom prst="roundRect">
+            <a:avLst/>
+          </a:prstGeom>
+          <a:solidFill>
+            <a:srgbClr val="2A2A4A"/>
+          </a:solidFill>
+          <a:ln w="25400">
+            <a:solidFill>
+              <a:srgbClr val="667EEA"/>
+            </a:solidFill>
+            <a:prstDash val="solid"/>
+          </a:ln>
+        </p:spPr>
+      </p:sp>
+      <p:sp>
+        <p:nvSpPr>
+          <p:cNvPr id="8" name="Text 6"/>
+          <p:cNvSpPr/>
+          <p:nvPr/>
+        </p:nvSpPr>
+        <p:spPr>
+          <a:xfrm>
+            <a:off x="1097280" y="1371600"/>
+            <a:ext cx="457200" cy="731520"/>
+          </a:xfrm>
+          <a:prstGeom prst="rect">
+            <a:avLst/>
+          </a:prstGeom>
+          <a:noFill/>
+          <a:ln/>
+        </p:spPr>
+        <p:txBody>
+          <a:bodyPr wrap="square" rtlCol="0" anchor="ctr"/>
+          <a:lstStyle/>
+          <a:p>
+            <a:pPr indent="0" marL="0">
+              <a:buNone/>
+            </a:pPr>
+            <a:r>
+              <a:rPr lang="en-US" sz="4800" i="1" dirty="0">
+                <a:solidFill>
+                  <a:srgbClr val="667EEA"/>
+                </a:solidFill>
+                <a:latin typeface="Georgia" pitchFamily="34" charset="0"/>
+                <a:ea typeface="Georgia" pitchFamily="34" charset="-122"/>
+                <a:cs typeface="Georgia" pitchFamily="34" charset="-120"/>
+              </a:rPr>
+              <a:t>"</a:t>
+            </a:r>
+            <a:endParaRPr lang="en-US" sz="4800" dirty="0"/>
+          </a:p>
+        </p:txBody>
+      </p:sp>
+      <p:sp>
+        <p:nvSpPr>
+          <p:cNvPr id="9" name="Text 7"/>
+          <p:cNvSpPr/>
+          <p:nvPr/>
+        </p:nvSpPr>
+        <p:spPr>
+          <a:xfrm>
+            <a:off x="1371600" y="1737360"/>
+            <a:ext cx="6400800" cy="1097280"/>
+          </a:xfrm>
+          <a:prstGeom prst="rect">
+            <a:avLst/>
+          </a:prstGeom>
+          <a:noFill/>
+          <a:ln/>
+        </p:spPr>
+        <p:txBody>
+          <a:bodyPr wrap="square" rtlCol="0" anchor="ctr"/>
+          <a:lstStyle/>
+          <a:p>
+            <a:pPr algn="ctr" indent="0" marL="0">
+              <a:buNone/>
+            </a:pPr>
+            <a:r>
+              <a:rPr lang="en-US" sz="1600" i="1" dirty="0">
+                <a:solidFill>
+                  <a:srgbClr val="FFFFFF"/>
+                </a:solidFill>
+                <a:latin typeface="Arial" pitchFamily="34" charset="0"/>
+                <a:ea typeface="Arial" pitchFamily="34" charset="-122"/>
+                <a:cs typeface="Arial" pitchFamily="34" charset="-120"/>
+              </a:rPr>
+              <a:t>Descansar não é parar de trabalhar. É recarregar para trabalhar melhor.</a:t>
+            </a:r>
+            <a:endParaRPr lang="en-US" sz="1600" dirty="0"/>
+          </a:p>
+        </p:txBody>
+      </p:sp>
+      <p:sp>
+        <p:nvSpPr>
+          <p:cNvPr id="10" name="Shape 8"/>
+          <p:cNvSpPr/>
+          <p:nvPr/>
+        </p:nvSpPr>
+        <p:spPr>
+          <a:xfrm>
+            <a:off x="0" y="3840480"/>
+            <a:ext cx="9144000" cy="822960"/>
+          </a:xfrm>
+          <a:prstGeom prst="rect">
+            <a:avLst/>
+          </a:prstGeom>
+          <a:solidFill>
+            <a:srgbClr val="0F172A"/>
+          </a:solidFill>
+          <a:ln/>
+        </p:spPr>
+      </p:sp>
+      <p:sp>
+        <p:nvSpPr>
+          <p:cNvPr id="11" name="Text 9"/>
+          <p:cNvSpPr/>
+          <p:nvPr/>
+        </p:nvSpPr>
+        <p:spPr>
+          <a:xfrm>
+            <a:off x="457200" y="3977640"/>
+            <a:ext cx="3657600" cy="274320"/>
+          </a:xfrm>
+          <a:prstGeom prst="rect">
+            <a:avLst/>
+          </a:prstGeom>
+          <a:noFill/>
+          <a:ln/>
+        </p:spPr>
+        <p:txBody>
+          <a:bodyPr wrap="square" rtlCol="0" anchor="ctr"/>
+          <a:lstStyle/>
+          <a:p>
+            <a:pPr indent="0" marL="0">
+              <a:buNone/>
+            </a:pPr>
+            <a:r>
+              <a:rPr lang="en-US" sz="1400" b="1" dirty="0">
+                <a:solidFill>
+                  <a:srgbClr val="22C55E"/>
+                </a:solidFill>
+                <a:latin typeface="Arial" pitchFamily="34" charset="0"/>
+                <a:ea typeface="Arial" pitchFamily="34" charset="-122"/>
+                <a:cs typeface="Arial" pitchFamily="34" charset="-120"/>
+              </a:rPr>
+              <a:t>Educa com Talento</a:t>
+            </a:r>
+            <a:endParaRPr lang="en-US" sz="1400" dirty="0"/>
+          </a:p>
+        </p:txBody>
+      </p:sp>
+      <p:sp>
+        <p:nvSpPr>
+          <p:cNvPr id="12" name="Text 10"/>
+          <p:cNvSpPr/>
+          <p:nvPr/>
+        </p:nvSpPr>
+        <p:spPr>
+          <a:xfrm>
+            <a:off x="457200" y="4251960"/>
+            <a:ext cx="3657600" cy="228600"/>
+          </a:xfrm>
+          <a:prstGeom prst="rect">
+            <a:avLst/>
+          </a:prstGeom>
+          <a:noFill/>
+          <a:ln/>
+        </p:spPr>
+        <p:txBody>
+          <a:bodyPr wrap="square" rtlCol="0" anchor="ctr"/>
+          <a:lstStyle/>
+          <a:p>
+            <a:pPr indent="0" marL="0">
+              <a:buNone/>
+            </a:pPr>
+            <a:r>
+              <a:rPr lang="en-US" sz="1000" dirty="0">
+                <a:solidFill>
+                  <a:srgbClr val="667EEA"/>
+                </a:solidFill>
+                <a:latin typeface="Arial" pitchFamily="34" charset="0"/>
+                <a:ea typeface="Arial" pitchFamily="34" charset="-122"/>
+                <a:cs typeface="Arial" pitchFamily="34" charset="-120"/>
+              </a:rPr>
+              <a:t>www.educacomtalento.com.br</a:t>
+            </a:r>
+            <a:endParaRPr lang="en-US" sz="1000" dirty="0"/>
+          </a:p>
+        </p:txBody>
+      </p:sp>
+      <p:pic>
+        <p:nvPicPr>
+          <p:cNvPr id="14" name="Image 0" descr="preencoded.png">    </p:cNvPr>
+          <p:cNvPicPr>
+            <a:picLocks noChangeAspect="1"/>
+          </p:cNvPicPr>
+          <p:nvPr/>
+        </p:nvPicPr>
+        <p:blipFill>
+          <a:blip r:embed="rId1"/>
+          <a:stretch>
+            <a:fillRect/>
+          </a:stretch>
+        </p:blipFill>
+        <p:spPr>
+          <a:xfrm>
+            <a:off x="6400800" y="3886200"/>
+            <a:ext cx="2286000" cy="914400"/>
           </a:xfrm>
           <a:prstGeom prst="rect">
             <a:avLst/>
@@ -2138,375 +2610,6 @@
         </p:nvSpPr>
         <p:spPr>
           <a:xfrm>
-            <a:off x="457200" y="1097280"/>
-            <a:ext cx="8229600" cy="822960"/>
-          </a:xfrm>
-          <a:prstGeom prst="roundRect">
-            <a:avLst/>
-          </a:prstGeom>
-          <a:solidFill>
-            <a:srgbClr val="2A2A4A"/>
-          </a:solidFill>
-          <a:ln w="25400">
-            <a:solidFill>
-              <a:srgbClr val="667EEA"/>
-            </a:solidFill>
-            <a:prstDash val="solid"/>
-          </a:ln>
-        </p:spPr>
-      </p:sp>
-      <p:sp>
-        <p:nvSpPr>
-          <p:cNvPr id="5" name="Shape 3"/>
-          <p:cNvSpPr/>
-          <p:nvPr/>
-        </p:nvSpPr>
-        <p:spPr>
-          <a:xfrm>
-            <a:off x="640080" y="1234440"/>
-            <a:ext cx="548640" cy="548640"/>
-          </a:xfrm>
-          <a:prstGeom prst="ellipse">
-            <a:avLst/>
-          </a:prstGeom>
-          <a:solidFill>
-            <a:srgbClr val="667EEA"/>
-          </a:solidFill>
-          <a:ln/>
-        </p:spPr>
-      </p:sp>
-      <p:sp>
-        <p:nvSpPr>
-          <p:cNvPr id="6" name="Text 4"/>
-          <p:cNvSpPr/>
-          <p:nvPr/>
-        </p:nvSpPr>
-        <p:spPr>
-          <a:xfrm>
-            <a:off x="640080" y="1325880"/>
-            <a:ext cx="548640" cy="365760"/>
-          </a:xfrm>
-          <a:prstGeom prst="rect">
-            <a:avLst/>
-          </a:prstGeom>
-          <a:noFill/>
-          <a:ln/>
-        </p:spPr>
-        <p:txBody>
-          <a:bodyPr wrap="square" rtlCol="0" anchor="ctr"/>
-          <a:lstStyle/>
-          <a:p>
-            <a:pPr algn="ctr" indent="0" marL="0">
-              <a:buNone/>
-            </a:pPr>
-            <a:r>
-              <a:rPr lang="en-US" sz="1800" b="1" dirty="0">
-                <a:solidFill>
-                  <a:srgbClr val="FFFFFF"/>
-                </a:solidFill>
-                <a:latin typeface="Arial" pitchFamily="34" charset="0"/>
-                <a:ea typeface="Arial" pitchFamily="34" charset="-122"/>
-                <a:cs typeface="Arial" pitchFamily="34" charset="-120"/>
-              </a:rPr>
-              <a:t>1</a:t>
-            </a:r>
-            <a:endParaRPr lang="en-US" sz="1800" dirty="0"/>
-          </a:p>
-        </p:txBody>
-      </p:sp>
-      <p:sp>
-        <p:nvSpPr>
-          <p:cNvPr id="7" name="Text 5"/>
-          <p:cNvSpPr/>
-          <p:nvPr/>
-        </p:nvSpPr>
-        <p:spPr>
-          <a:xfrm>
-            <a:off x="1371600" y="1325880"/>
-            <a:ext cx="7132320" cy="457200"/>
-          </a:xfrm>
-          <a:prstGeom prst="rect">
-            <a:avLst/>
-          </a:prstGeom>
-          <a:noFill/>
-          <a:ln/>
-        </p:spPr>
-        <p:txBody>
-          <a:bodyPr wrap="square" rtlCol="0" anchor="ctr"/>
-          <a:lstStyle/>
-          <a:p>
-            <a:pPr indent="0" marL="0">
-              <a:buNone/>
-            </a:pPr>
-            <a:r>
-              <a:rPr lang="en-US" sz="1600" dirty="0">
-                <a:solidFill>
-                  <a:srgbClr val="FFFFFF"/>
-                </a:solidFill>
-                <a:latin typeface="Arial" pitchFamily="34" charset="0"/>
-                <a:ea typeface="Arial" pitchFamily="34" charset="-122"/>
-                <a:cs typeface="Arial" pitchFamily="34" charset="-120"/>
-              </a:rPr>
-              <a:t>Entender a ciência da recuperação</a:t>
-            </a:r>
-            <a:endParaRPr lang="en-US" sz="1600" dirty="0"/>
-          </a:p>
-        </p:txBody>
-      </p:sp>
-      <p:sp>
-        <p:nvSpPr>
-          <p:cNvPr id="8" name="Shape 6"/>
-          <p:cNvSpPr/>
-          <p:nvPr/>
-        </p:nvSpPr>
-        <p:spPr>
-          <a:xfrm>
-            <a:off x="457200" y="2103120"/>
-            <a:ext cx="8229600" cy="822960"/>
-          </a:xfrm>
-          <a:prstGeom prst="roundRect">
-            <a:avLst/>
-          </a:prstGeom>
-          <a:solidFill>
-            <a:srgbClr val="2A2A4A"/>
-          </a:solidFill>
-          <a:ln w="25400">
-            <a:solidFill>
-              <a:srgbClr val="22C55E"/>
-            </a:solidFill>
-            <a:prstDash val="solid"/>
-          </a:ln>
-        </p:spPr>
-      </p:sp>
-      <p:sp>
-        <p:nvSpPr>
-          <p:cNvPr id="9" name="Shape 7"/>
-          <p:cNvSpPr/>
-          <p:nvPr/>
-        </p:nvSpPr>
-        <p:spPr>
-          <a:xfrm>
-            <a:off x="640080" y="2240280"/>
-            <a:ext cx="548640" cy="548640"/>
-          </a:xfrm>
-          <a:prstGeom prst="ellipse">
-            <a:avLst/>
-          </a:prstGeom>
-          <a:solidFill>
-            <a:srgbClr val="22C55E"/>
-          </a:solidFill>
-          <a:ln/>
-        </p:spPr>
-      </p:sp>
-      <p:sp>
-        <p:nvSpPr>
-          <p:cNvPr id="10" name="Text 8"/>
-          <p:cNvSpPr/>
-          <p:nvPr/>
-        </p:nvSpPr>
-        <p:spPr>
-          <a:xfrm>
-            <a:off x="640080" y="2331720"/>
-            <a:ext cx="548640" cy="365760"/>
-          </a:xfrm>
-          <a:prstGeom prst="rect">
-            <a:avLst/>
-          </a:prstGeom>
-          <a:noFill/>
-          <a:ln/>
-        </p:spPr>
-        <p:txBody>
-          <a:bodyPr wrap="square" rtlCol="0" anchor="ctr"/>
-          <a:lstStyle/>
-          <a:p>
-            <a:pPr algn="ctr" indent="0" marL="0">
-              <a:buNone/>
-            </a:pPr>
-            <a:r>
-              <a:rPr lang="en-US" sz="1800" b="1" dirty="0">
-                <a:solidFill>
-                  <a:srgbClr val="FFFFFF"/>
-                </a:solidFill>
-                <a:latin typeface="Arial" pitchFamily="34" charset="0"/>
-                <a:ea typeface="Arial" pitchFamily="34" charset="-122"/>
-                <a:cs typeface="Arial" pitchFamily="34" charset="-120"/>
-              </a:rPr>
-              <a:t>2</a:t>
-            </a:r>
-            <a:endParaRPr lang="en-US" sz="1800" dirty="0"/>
-          </a:p>
-        </p:txBody>
-      </p:sp>
-      <p:sp>
-        <p:nvSpPr>
-          <p:cNvPr id="11" name="Text 9"/>
-          <p:cNvSpPr/>
-          <p:nvPr/>
-        </p:nvSpPr>
-        <p:spPr>
-          <a:xfrm>
-            <a:off x="1371600" y="2331720"/>
-            <a:ext cx="7132320" cy="457200"/>
-          </a:xfrm>
-          <a:prstGeom prst="rect">
-            <a:avLst/>
-          </a:prstGeom>
-          <a:noFill/>
-          <a:ln/>
-        </p:spPr>
-        <p:txBody>
-          <a:bodyPr wrap="square" rtlCol="0" anchor="ctr"/>
-          <a:lstStyle/>
-          <a:p>
-            <a:pPr indent="0" marL="0">
-              <a:buNone/>
-            </a:pPr>
-            <a:r>
-              <a:rPr lang="en-US" sz="1600" dirty="0">
-                <a:solidFill>
-                  <a:srgbClr val="FFFFFF"/>
-                </a:solidFill>
-                <a:latin typeface="Arial" pitchFamily="34" charset="0"/>
-                <a:ea typeface="Arial" pitchFamily="34" charset="-122"/>
-                <a:cs typeface="Arial" pitchFamily="34" charset="-120"/>
-              </a:rPr>
-              <a:t>Aplicar micro e macro recuperação</a:t>
-            </a:r>
-            <a:endParaRPr lang="en-US" sz="1600" dirty="0"/>
-          </a:p>
-        </p:txBody>
-      </p:sp>
-      <p:sp>
-        <p:nvSpPr>
-          <p:cNvPr id="12" name="Shape 10"/>
-          <p:cNvSpPr/>
-          <p:nvPr/>
-        </p:nvSpPr>
-        <p:spPr>
-          <a:xfrm>
-            <a:off x="457200" y="3108960"/>
-            <a:ext cx="8229600" cy="822960"/>
-          </a:xfrm>
-          <a:prstGeom prst="roundRect">
-            <a:avLst/>
-          </a:prstGeom>
-          <a:solidFill>
-            <a:srgbClr val="2A2A4A"/>
-          </a:solidFill>
-          <a:ln w="25400">
-            <a:solidFill>
-              <a:srgbClr val="3B82F6"/>
-            </a:solidFill>
-            <a:prstDash val="solid"/>
-          </a:ln>
-        </p:spPr>
-      </p:sp>
-      <p:sp>
-        <p:nvSpPr>
-          <p:cNvPr id="13" name="Shape 11"/>
-          <p:cNvSpPr/>
-          <p:nvPr/>
-        </p:nvSpPr>
-        <p:spPr>
-          <a:xfrm>
-            <a:off x="640080" y="3246120"/>
-            <a:ext cx="548640" cy="548640"/>
-          </a:xfrm>
-          <a:prstGeom prst="ellipse">
-            <a:avLst/>
-          </a:prstGeom>
-          <a:solidFill>
-            <a:srgbClr val="3B82F6"/>
-          </a:solidFill>
-          <a:ln/>
-        </p:spPr>
-      </p:sp>
-      <p:sp>
-        <p:nvSpPr>
-          <p:cNvPr id="14" name="Text 12"/>
-          <p:cNvSpPr/>
-          <p:nvPr/>
-        </p:nvSpPr>
-        <p:spPr>
-          <a:xfrm>
-            <a:off x="640080" y="3337560"/>
-            <a:ext cx="548640" cy="365760"/>
-          </a:xfrm>
-          <a:prstGeom prst="rect">
-            <a:avLst/>
-          </a:prstGeom>
-          <a:noFill/>
-          <a:ln/>
-        </p:spPr>
-        <p:txBody>
-          <a:bodyPr wrap="square" rtlCol="0" anchor="ctr"/>
-          <a:lstStyle/>
-          <a:p>
-            <a:pPr algn="ctr" indent="0" marL="0">
-              <a:buNone/>
-            </a:pPr>
-            <a:r>
-              <a:rPr lang="en-US" sz="1800" b="1" dirty="0">
-                <a:solidFill>
-                  <a:srgbClr val="FFFFFF"/>
-                </a:solidFill>
-                <a:latin typeface="Arial" pitchFamily="34" charset="0"/>
-                <a:ea typeface="Arial" pitchFamily="34" charset="-122"/>
-                <a:cs typeface="Arial" pitchFamily="34" charset="-120"/>
-              </a:rPr>
-              <a:t>3</a:t>
-            </a:r>
-            <a:endParaRPr lang="en-US" sz="1800" dirty="0"/>
-          </a:p>
-        </p:txBody>
-      </p:sp>
-      <p:sp>
-        <p:nvSpPr>
-          <p:cNvPr id="15" name="Text 13"/>
-          <p:cNvSpPr/>
-          <p:nvPr/>
-        </p:nvSpPr>
-        <p:spPr>
-          <a:xfrm>
-            <a:off x="1371600" y="3337560"/>
-            <a:ext cx="7132320" cy="457200"/>
-          </a:xfrm>
-          <a:prstGeom prst="rect">
-            <a:avLst/>
-          </a:prstGeom>
-          <a:noFill/>
-          <a:ln/>
-        </p:spPr>
-        <p:txBody>
-          <a:bodyPr wrap="square" rtlCol="0" anchor="ctr"/>
-          <a:lstStyle/>
-          <a:p>
-            <a:pPr indent="0" marL="0">
-              <a:buNone/>
-            </a:pPr>
-            <a:r>
-              <a:rPr lang="en-US" sz="1600" dirty="0">
-                <a:solidFill>
-                  <a:srgbClr val="FFFFFF"/>
-                </a:solidFill>
-                <a:latin typeface="Arial" pitchFamily="34" charset="0"/>
-                <a:ea typeface="Arial" pitchFamily="34" charset="-122"/>
-                <a:cs typeface="Arial" pitchFamily="34" charset="-120"/>
-              </a:rPr>
-              <a:t>Prevenir burnout de estudos</a:t>
-            </a:r>
-            <a:endParaRPr lang="en-US" sz="1600" dirty="0"/>
-          </a:p>
-        </p:txBody>
-      </p:sp>
-      <p:sp>
-        <p:nvSpPr>
-          <p:cNvPr id="16" name="Shape 14"/>
-          <p:cNvSpPr/>
-          <p:nvPr/>
-        </p:nvSpPr>
-        <p:spPr>
-          <a:xfrm>
             <a:off x="8869680" y="1097280"/>
             <a:ext cx="91440" cy="3017520"/>
           </a:xfrm>
@@ -2521,7 +2624,7 @@
       </p:sp>
       <p:pic>
         <p:nvPicPr>
-          <p:cNvPr id="17" name="Image 0" descr="preencoded.png">    </p:cNvPr>
+          <p:cNvPr id="6" name="Image 0" descr="preencoded.png">    </p:cNvPr>
           <p:cNvPicPr>
             <a:picLocks noChangeAspect="1"/>
           </p:cNvPicPr>
@@ -2707,7 +2810,7 @@
                 <a:ea typeface="Arial" pitchFamily="34" charset="-122"/>
                 <a:cs typeface="Arial" pitchFamily="34" charset="-120"/>
               </a:rPr>
-              <a:t>A Ciência da Recuperação</a:t>
+              <a:t>A ciência da recuperação</a:t>
             </a:r>
             <a:endParaRPr lang="en-US" sz="2000" dirty="0"/>
           </a:p>
@@ -2830,7 +2933,7 @@
                 <a:ea typeface="Arial" pitchFamily="34" charset="-122"/>
                 <a:cs typeface="Arial" pitchFamily="34" charset="-120"/>
               </a:rPr>
-              <a:t>Descanso É produtivo</a:t>
+              <a:t>Por que descanso é produtivo</a:t>
             </a:r>
             <a:endParaRPr lang="en-US" sz="1400" dirty="0"/>
           </a:p>
@@ -2953,7 +3056,7 @@
                 <a:ea typeface="Arial" pitchFamily="34" charset="-122"/>
                 <a:cs typeface="Arial" pitchFamily="34" charset="-120"/>
               </a:rPr>
-              <a:t>Tipos de fadiga: física, mental, emocional</a:t>
+              <a:t>Tipos de fadiga (física, mental, emocional)</a:t>
             </a:r>
             <a:endParaRPr lang="en-US" sz="1400" dirty="0"/>
           </a:p>
@@ -3076,7 +3179,7 @@
                 <a:ea typeface="Arial" pitchFamily="34" charset="-122"/>
                 <a:cs typeface="Arial" pitchFamily="34" charset="-120"/>
               </a:rPr>
-              <a:t>Ciclo: estresse → recuperação → crescimento</a:t>
+              <a:t>O ciclo de estresse e recuperação</a:t>
             </a:r>
             <a:endParaRPr lang="en-US" sz="1400" dirty="0"/>
           </a:p>
@@ -3099,42 +3202,12 @@
           <a:solidFill>
             <a:srgbClr val="667EEA"/>
           </a:solidFill>
-          <a:ln w="12700">
-            <a:solidFill>
-              <a:srgbClr val="000000"/>
-            </a:solidFill>
-            <a:prstDash val="solid"/>
-          </a:ln>
-        </p:spPr>
-      </p:sp>
-      <p:sp>
-        <p:nvSpPr>
-          <p:cNvPr id="20" name="Shape 18"/>
-          <p:cNvSpPr/>
-          <p:nvPr/>
-        </p:nvSpPr>
-        <p:spPr>
-          <a:xfrm>
-            <a:off x="8503920" y="4297680"/>
-            <a:ext cx="274320" cy="274320"/>
-          </a:xfrm>
-          <a:prstGeom prst="rect">
-            <a:avLst/>
-          </a:prstGeom>
-          <a:solidFill>
-            <a:srgbClr val="2A2A4A"/>
-          </a:solidFill>
-          <a:ln w="12700">
-            <a:solidFill>
-              <a:srgbClr val="667EEA"/>
-            </a:solidFill>
-            <a:prstDash val="solid"/>
-          </a:ln>
+          <a:ln/>
         </p:spPr>
       </p:sp>
       <p:pic>
         <p:nvPicPr>
-          <p:cNvPr id="21" name="Image 0" descr="preencoded.png">    </p:cNvPr>
+          <p:cNvPr id="20" name="Image 0" descr="preencoded.png">    </p:cNvPr>
           <p:cNvPicPr>
             <a:picLocks noChangeAspect="1"/>
           </p:cNvPicPr>
@@ -3320,7 +3393,7 @@
                 <a:ea typeface="Arial" pitchFamily="34" charset="-122"/>
                 <a:cs typeface="Arial" pitchFamily="34" charset="-120"/>
               </a:rPr>
-              <a:t>Micro-recuperação (no dia)</a:t>
+              <a:t>Estratégias de micro-recuperação</a:t>
             </a:r>
             <a:endParaRPr lang="en-US" sz="2000" dirty="0"/>
           </a:p>
@@ -3443,7 +3516,7 @@
                 <a:ea typeface="Arial" pitchFamily="34" charset="-122"/>
                 <a:cs typeface="Arial" pitchFamily="34" charset="-120"/>
               </a:rPr>
-              <a:t>Pausas de 5-15 min a cada 60-90 min</a:t>
+              <a:t>Pausas durante o dia</a:t>
             </a:r>
             <a:endParaRPr lang="en-US" sz="1400" dirty="0"/>
           </a:p>
@@ -3566,7 +3639,7 @@
                 <a:ea typeface="Arial" pitchFamily="34" charset="-122"/>
                 <a:cs typeface="Arial" pitchFamily="34" charset="-120"/>
               </a:rPr>
-              <a:t>Respiração consciente (5 min resetam)</a:t>
+              <a:t>Respiração consciente</a:t>
             </a:r>
             <a:endParaRPr lang="en-US" sz="1400" dirty="0"/>
           </a:p>
@@ -3689,7 +3762,7 @@
                 <a:ea typeface="Arial" pitchFamily="34" charset="-122"/>
                 <a:cs typeface="Arial" pitchFamily="34" charset="-120"/>
               </a:rPr>
-              <a:t>Movimento: levantar, alongar</a:t>
+              <a:t>Movimento breve</a:t>
             </a:r>
             <a:endParaRPr lang="en-US" sz="1400" dirty="0"/>
           </a:p>
@@ -3812,7 +3885,7 @@
                 <a:ea typeface="Arial" pitchFamily="34" charset="-122"/>
                 <a:cs typeface="Arial" pitchFamily="34" charset="-120"/>
               </a:rPr>
-              <a:t>Olhar para longe (descanso visual)</a:t>
+              <a:t>Desconexão digital</a:t>
             </a:r>
             <a:endParaRPr lang="en-US" sz="1400" dirty="0"/>
           </a:p>
@@ -3835,42 +3908,12 @@
           <a:solidFill>
             <a:srgbClr val="22C55E"/>
           </a:solidFill>
-          <a:ln w="12700">
-            <a:solidFill>
-              <a:srgbClr val="000000"/>
-            </a:solidFill>
-            <a:prstDash val="solid"/>
-          </a:ln>
-        </p:spPr>
-      </p:sp>
-      <p:sp>
-        <p:nvSpPr>
-          <p:cNvPr id="24" name="Shape 22"/>
-          <p:cNvSpPr/>
-          <p:nvPr/>
-        </p:nvSpPr>
-        <p:spPr>
-          <a:xfrm>
-            <a:off x="8503920" y="4297680"/>
-            <a:ext cx="274320" cy="274320"/>
-          </a:xfrm>
-          <a:prstGeom prst="rect">
-            <a:avLst/>
-          </a:prstGeom>
-          <a:solidFill>
-            <a:srgbClr val="2A2A4A"/>
-          </a:solidFill>
-          <a:ln w="12700">
-            <a:solidFill>
-              <a:srgbClr val="22C55E"/>
-            </a:solidFill>
-            <a:prstDash val="solid"/>
-          </a:ln>
+          <a:ln/>
         </p:spPr>
       </p:sp>
       <p:pic>
         <p:nvPicPr>
-          <p:cNvPr id="25" name="Image 0" descr="preencoded.png">    </p:cNvPr>
+          <p:cNvPr id="24" name="Image 0" descr="preencoded.png">    </p:cNvPr>
           <p:cNvPicPr>
             <a:picLocks noChangeAspect="1"/>
           </p:cNvPicPr>
@@ -4056,7 +4099,7 @@
                 <a:ea typeface="Arial" pitchFamily="34" charset="-122"/>
                 <a:cs typeface="Arial" pitchFamily="34" charset="-120"/>
               </a:rPr>
-              <a:t>Macro-recuperação (ciclos maiores)</a:t>
+              <a:t>Estratégias de macro-recuperação</a:t>
             </a:r>
             <a:endParaRPr lang="en-US" sz="2000" dirty="0"/>
           </a:p>
@@ -4179,7 +4222,7 @@
                 <a:ea typeface="Arial" pitchFamily="34" charset="-122"/>
                 <a:cs typeface="Arial" pitchFamily="34" charset="-120"/>
               </a:rPr>
-              <a:t>Um dia por semana livre de estudo</a:t>
+              <a:t>Dia de descanso semanal</a:t>
             </a:r>
             <a:endParaRPr lang="en-US" sz="1400" dirty="0"/>
           </a:p>
@@ -4302,7 +4345,7 @@
                 <a:ea typeface="Arial" pitchFamily="34" charset="-122"/>
                 <a:cs typeface="Arial" pitchFamily="34" charset="-120"/>
               </a:rPr>
-              <a:t>Hobbies "não-produtivos"</a:t>
+              <a:t>Hobbies e atividades não-produtivas</a:t>
             </a:r>
             <a:endParaRPr lang="en-US" sz="1400" dirty="0"/>
           </a:p>
@@ -4425,7 +4468,7 @@
                 <a:ea typeface="Arial" pitchFamily="34" charset="-122"/>
                 <a:cs typeface="Arial" pitchFamily="34" charset="-120"/>
               </a:rPr>
-              <a:t>Tempo na natureza</a:t>
+              <a:t>Natureza e ar livre</a:t>
             </a:r>
             <a:endParaRPr lang="en-US" sz="1400" dirty="0"/>
           </a:p>
@@ -4548,7 +4591,7 @@
                 <a:ea typeface="Arial" pitchFamily="34" charset="-122"/>
                 <a:cs typeface="Arial" pitchFamily="34" charset="-120"/>
               </a:rPr>
-              <a:t>Conexão social real</a:t>
+              <a:t>Conexão social</a:t>
             </a:r>
             <a:endParaRPr lang="en-US" sz="1400" dirty="0"/>
           </a:p>
@@ -4571,42 +4614,12 @@
           <a:solidFill>
             <a:srgbClr val="3B82F6"/>
           </a:solidFill>
-          <a:ln w="12700">
-            <a:solidFill>
-              <a:srgbClr val="000000"/>
-            </a:solidFill>
-            <a:prstDash val="solid"/>
-          </a:ln>
-        </p:spPr>
-      </p:sp>
-      <p:sp>
-        <p:nvSpPr>
-          <p:cNvPr id="24" name="Shape 22"/>
-          <p:cNvSpPr/>
-          <p:nvPr/>
-        </p:nvSpPr>
-        <p:spPr>
-          <a:xfrm>
-            <a:off x="8503920" y="4297680"/>
-            <a:ext cx="274320" cy="274320"/>
-          </a:xfrm>
-          <a:prstGeom prst="rect">
-            <a:avLst/>
-          </a:prstGeom>
-          <a:solidFill>
-            <a:srgbClr val="2A2A4A"/>
-          </a:solidFill>
-          <a:ln w="12700">
-            <a:solidFill>
-              <a:srgbClr val="3B82F6"/>
-            </a:solidFill>
-            <a:prstDash val="solid"/>
-          </a:ln>
+          <a:ln/>
         </p:spPr>
       </p:sp>
       <p:pic>
         <p:nvPicPr>
-          <p:cNvPr id="25" name="Image 0" descr="preencoded.png">    </p:cNvPr>
+          <p:cNvPr id="24" name="Image 0" descr="preencoded.png">    </p:cNvPr>
           <p:cNvPicPr>
             <a:picLocks noChangeAspect="1"/>
           </p:cNvPicPr>
@@ -4792,7 +4805,7 @@
                 <a:ea typeface="Arial" pitchFamily="34" charset="-122"/>
                 <a:cs typeface="Arial" pitchFamily="34" charset="-120"/>
               </a:rPr>
-              <a:t>Prevenindo Burnout</a:t>
+              <a:t>Prevenindo burnout</a:t>
             </a:r>
             <a:endParaRPr lang="en-US" sz="2000" dirty="0"/>
           </a:p>
@@ -4915,7 +4928,7 @@
                 <a:ea typeface="Arial" pitchFamily="34" charset="-122"/>
                 <a:cs typeface="Arial" pitchFamily="34" charset="-120"/>
               </a:rPr>
-              <a:t>Sinais: cansaço que não passa, irritabilidade</a:t>
+              <a:t>Sinais de alerta</a:t>
             </a:r>
             <a:endParaRPr lang="en-US" sz="1400" dirty="0"/>
           </a:p>
@@ -5038,7 +5051,7 @@
                 <a:ea typeface="Arial" pitchFamily="34" charset="-122"/>
                 <a:cs typeface="Arial" pitchFamily="34" charset="-120"/>
               </a:rPr>
-              <a:t>Ajuste a carga antes de quebrar</a:t>
+              <a:t>Ajustando a carga</a:t>
             </a:r>
             <a:endParaRPr lang="en-US" sz="1400" dirty="0"/>
           </a:p>
@@ -5161,7 +5174,7 @@
                 <a:ea typeface="Arial" pitchFamily="34" charset="-122"/>
                 <a:cs typeface="Arial" pitchFamily="34" charset="-120"/>
               </a:rPr>
-              <a:t>Parar às vezes é mais produtivo</a:t>
+              <a:t>Quando parar é mais produtivo</a:t>
             </a:r>
             <a:endParaRPr lang="en-US" sz="1400" dirty="0"/>
           </a:p>
@@ -5184,42 +5197,12 @@
           <a:solidFill>
             <a:srgbClr val="9333EA"/>
           </a:solidFill>
-          <a:ln w="12700">
-            <a:solidFill>
-              <a:srgbClr val="000000"/>
-            </a:solidFill>
-            <a:prstDash val="solid"/>
-          </a:ln>
-        </p:spPr>
-      </p:sp>
-      <p:sp>
-        <p:nvSpPr>
-          <p:cNvPr id="20" name="Shape 18"/>
-          <p:cNvSpPr/>
-          <p:nvPr/>
-        </p:nvSpPr>
-        <p:spPr>
-          <a:xfrm>
-            <a:off x="8503920" y="4297680"/>
-            <a:ext cx="274320" cy="274320"/>
-          </a:xfrm>
-          <a:prstGeom prst="rect">
-            <a:avLst/>
-          </a:prstGeom>
-          <a:solidFill>
-            <a:srgbClr val="2A2A4A"/>
-          </a:solidFill>
-          <a:ln w="12700">
-            <a:solidFill>
-              <a:srgbClr val="9333EA"/>
-            </a:solidFill>
-            <a:prstDash val="solid"/>
-          </a:ln>
+          <a:ln/>
         </p:spPr>
       </p:sp>
       <p:pic>
         <p:nvPicPr>
-          <p:cNvPr id="21" name="Image 0" descr="preencoded.png">    </p:cNvPr>
+          <p:cNvPr id="20" name="Image 0" descr="preencoded.png">    </p:cNvPr>
           <p:cNvPicPr>
             <a:picLocks noChangeAspect="1"/>
           </p:cNvPicPr>
@@ -5372,501 +5355,9 @@
           <a:ln/>
         </p:spPr>
       </p:sp>
-      <p:sp>
-        <p:nvSpPr>
-          <p:cNvPr id="6" name="Shape 4"/>
-          <p:cNvSpPr/>
-          <p:nvPr/>
-        </p:nvSpPr>
-        <p:spPr>
-          <a:xfrm>
-            <a:off x="502920" y="1188720"/>
-            <a:ext cx="457200" cy="457200"/>
-          </a:xfrm>
-          <a:prstGeom prst="ellipse">
-            <a:avLst/>
-          </a:prstGeom>
-          <a:solidFill>
-            <a:srgbClr val="667EEA"/>
-          </a:solidFill>
-          <a:ln/>
-        </p:spPr>
-      </p:sp>
-      <p:sp>
-        <p:nvSpPr>
-          <p:cNvPr id="7" name="Text 5"/>
-          <p:cNvSpPr/>
-          <p:nvPr/>
-        </p:nvSpPr>
-        <p:spPr>
-          <a:xfrm>
-            <a:off x="502920" y="1234440"/>
-            <a:ext cx="457200" cy="365760"/>
-          </a:xfrm>
-          <a:prstGeom prst="rect">
-            <a:avLst/>
-          </a:prstGeom>
-          <a:noFill/>
-          <a:ln/>
-        </p:spPr>
-        <p:txBody>
-          <a:bodyPr wrap="square" rtlCol="0" anchor="ctr"/>
-          <a:lstStyle/>
-          <a:p>
-            <a:pPr algn="ctr" indent="0" marL="0">
-              <a:buNone/>
-            </a:pPr>
-            <a:r>
-              <a:rPr lang="en-US" sz="1600" b="1" dirty="0">
-                <a:solidFill>
-                  <a:srgbClr val="FFFFFF"/>
-                </a:solidFill>
-                <a:latin typeface="Arial" pitchFamily="34" charset="0"/>
-                <a:ea typeface="Arial" pitchFamily="34" charset="-122"/>
-                <a:cs typeface="Arial" pitchFamily="34" charset="-120"/>
-              </a:rPr>
-              <a:t>✓</a:t>
-            </a:r>
-            <a:endParaRPr lang="en-US" sz="1600" dirty="0"/>
-          </a:p>
-        </p:txBody>
-      </p:sp>
-      <p:sp>
-        <p:nvSpPr>
-          <p:cNvPr id="8" name="Shape 6"/>
-          <p:cNvSpPr/>
-          <p:nvPr/>
-        </p:nvSpPr>
-        <p:spPr>
-          <a:xfrm>
-            <a:off x="1188720" y="1097280"/>
-            <a:ext cx="7498080" cy="640080"/>
-          </a:xfrm>
-          <a:prstGeom prst="roundRect">
-            <a:avLst/>
-          </a:prstGeom>
-          <a:solidFill>
-            <a:srgbClr val="2A2A4A"/>
-          </a:solidFill>
-          <a:ln w="25400">
-            <a:solidFill>
-              <a:srgbClr val="667EEA"/>
-            </a:solidFill>
-            <a:prstDash val="solid"/>
-          </a:ln>
-        </p:spPr>
-      </p:sp>
-      <p:sp>
-        <p:nvSpPr>
-          <p:cNvPr id="9" name="Text 7"/>
-          <p:cNvSpPr/>
-          <p:nvPr/>
-        </p:nvSpPr>
-        <p:spPr>
-          <a:xfrm>
-            <a:off x="1371600" y="1234440"/>
-            <a:ext cx="7132320" cy="411480"/>
-          </a:xfrm>
-          <a:prstGeom prst="rect">
-            <a:avLst/>
-          </a:prstGeom>
-          <a:noFill/>
-          <a:ln/>
-        </p:spPr>
-        <p:txBody>
-          <a:bodyPr wrap="square" rtlCol="0" anchor="ctr"/>
-          <a:lstStyle/>
-          <a:p>
-            <a:pPr indent="0" marL="0">
-              <a:buNone/>
-            </a:pPr>
-            <a:r>
-              <a:rPr lang="en-US" sz="1400" dirty="0">
-                <a:solidFill>
-                  <a:srgbClr val="FFFFFF"/>
-                </a:solidFill>
-                <a:latin typeface="Arial" pitchFamily="34" charset="0"/>
-                <a:ea typeface="Arial" pitchFamily="34" charset="-122"/>
-                <a:cs typeface="Arial" pitchFamily="34" charset="-120"/>
-              </a:rPr>
-              <a:t>Recuperação é onde o crescimento acontece</a:t>
-            </a:r>
-            <a:endParaRPr lang="en-US" sz="1400" dirty="0"/>
-          </a:p>
-        </p:txBody>
-      </p:sp>
-      <p:sp>
-        <p:nvSpPr>
-          <p:cNvPr id="10" name="Shape 8"/>
-          <p:cNvSpPr/>
-          <p:nvPr/>
-        </p:nvSpPr>
-        <p:spPr>
-          <a:xfrm>
-            <a:off x="502920" y="2011680"/>
-            <a:ext cx="457200" cy="457200"/>
-          </a:xfrm>
-          <a:prstGeom prst="ellipse">
-            <a:avLst/>
-          </a:prstGeom>
-          <a:solidFill>
-            <a:srgbClr val="22C55E"/>
-          </a:solidFill>
-          <a:ln/>
-        </p:spPr>
-      </p:sp>
-      <p:sp>
-        <p:nvSpPr>
-          <p:cNvPr id="11" name="Text 9"/>
-          <p:cNvSpPr/>
-          <p:nvPr/>
-        </p:nvSpPr>
-        <p:spPr>
-          <a:xfrm>
-            <a:off x="502920" y="2057400"/>
-            <a:ext cx="457200" cy="365760"/>
-          </a:xfrm>
-          <a:prstGeom prst="rect">
-            <a:avLst/>
-          </a:prstGeom>
-          <a:noFill/>
-          <a:ln/>
-        </p:spPr>
-        <p:txBody>
-          <a:bodyPr wrap="square" rtlCol="0" anchor="ctr"/>
-          <a:lstStyle/>
-          <a:p>
-            <a:pPr algn="ctr" indent="0" marL="0">
-              <a:buNone/>
-            </a:pPr>
-            <a:r>
-              <a:rPr lang="en-US" sz="1600" b="1" dirty="0">
-                <a:solidFill>
-                  <a:srgbClr val="FFFFFF"/>
-                </a:solidFill>
-                <a:latin typeface="Arial" pitchFamily="34" charset="0"/>
-                <a:ea typeface="Arial" pitchFamily="34" charset="-122"/>
-                <a:cs typeface="Arial" pitchFamily="34" charset="-120"/>
-              </a:rPr>
-              <a:t>✓</a:t>
-            </a:r>
-            <a:endParaRPr lang="en-US" sz="1600" dirty="0"/>
-          </a:p>
-        </p:txBody>
-      </p:sp>
-      <p:sp>
-        <p:nvSpPr>
-          <p:cNvPr id="12" name="Shape 10"/>
-          <p:cNvSpPr/>
-          <p:nvPr/>
-        </p:nvSpPr>
-        <p:spPr>
-          <a:xfrm>
-            <a:off x="1188720" y="1920240"/>
-            <a:ext cx="7498080" cy="640080"/>
-          </a:xfrm>
-          <a:prstGeom prst="roundRect">
-            <a:avLst/>
-          </a:prstGeom>
-          <a:solidFill>
-            <a:srgbClr val="2A2A4A"/>
-          </a:solidFill>
-          <a:ln w="25400">
-            <a:solidFill>
-              <a:srgbClr val="22C55E"/>
-            </a:solidFill>
-            <a:prstDash val="solid"/>
-          </a:ln>
-        </p:spPr>
-      </p:sp>
-      <p:sp>
-        <p:nvSpPr>
-          <p:cNvPr id="13" name="Text 11"/>
-          <p:cNvSpPr/>
-          <p:nvPr/>
-        </p:nvSpPr>
-        <p:spPr>
-          <a:xfrm>
-            <a:off x="1371600" y="2057400"/>
-            <a:ext cx="7132320" cy="411480"/>
-          </a:xfrm>
-          <a:prstGeom prst="rect">
-            <a:avLst/>
-          </a:prstGeom>
-          <a:noFill/>
-          <a:ln/>
-        </p:spPr>
-        <p:txBody>
-          <a:bodyPr wrap="square" rtlCol="0" anchor="ctr"/>
-          <a:lstStyle/>
-          <a:p>
-            <a:pPr indent="0" marL="0">
-              <a:buNone/>
-            </a:pPr>
-            <a:r>
-              <a:rPr lang="en-US" sz="1400" dirty="0">
-                <a:solidFill>
-                  <a:srgbClr val="FFFFFF"/>
-                </a:solidFill>
-                <a:latin typeface="Arial" pitchFamily="34" charset="0"/>
-                <a:ea typeface="Arial" pitchFamily="34" charset="-122"/>
-                <a:cs typeface="Arial" pitchFamily="34" charset="-120"/>
-              </a:rPr>
-              <a:t>Micro: pausas, respiração, movimento, olhar longe</a:t>
-            </a:r>
-            <a:endParaRPr lang="en-US" sz="1400" dirty="0"/>
-          </a:p>
-        </p:txBody>
-      </p:sp>
-      <p:sp>
-        <p:nvSpPr>
-          <p:cNvPr id="14" name="Shape 12"/>
-          <p:cNvSpPr/>
-          <p:nvPr/>
-        </p:nvSpPr>
-        <p:spPr>
-          <a:xfrm>
-            <a:off x="502920" y="2834640"/>
-            <a:ext cx="457200" cy="457200"/>
-          </a:xfrm>
-          <a:prstGeom prst="ellipse">
-            <a:avLst/>
-          </a:prstGeom>
-          <a:solidFill>
-            <a:srgbClr val="3B82F6"/>
-          </a:solidFill>
-          <a:ln/>
-        </p:spPr>
-      </p:sp>
-      <p:sp>
-        <p:nvSpPr>
-          <p:cNvPr id="15" name="Text 13"/>
-          <p:cNvSpPr/>
-          <p:nvPr/>
-        </p:nvSpPr>
-        <p:spPr>
-          <a:xfrm>
-            <a:off x="502920" y="2880360"/>
-            <a:ext cx="457200" cy="365760"/>
-          </a:xfrm>
-          <a:prstGeom prst="rect">
-            <a:avLst/>
-          </a:prstGeom>
-          <a:noFill/>
-          <a:ln/>
-        </p:spPr>
-        <p:txBody>
-          <a:bodyPr wrap="square" rtlCol="0" anchor="ctr"/>
-          <a:lstStyle/>
-          <a:p>
-            <a:pPr algn="ctr" indent="0" marL="0">
-              <a:buNone/>
-            </a:pPr>
-            <a:r>
-              <a:rPr lang="en-US" sz="1600" b="1" dirty="0">
-                <a:solidFill>
-                  <a:srgbClr val="FFFFFF"/>
-                </a:solidFill>
-                <a:latin typeface="Arial" pitchFamily="34" charset="0"/>
-                <a:ea typeface="Arial" pitchFamily="34" charset="-122"/>
-                <a:cs typeface="Arial" pitchFamily="34" charset="-120"/>
-              </a:rPr>
-              <a:t>✓</a:t>
-            </a:r>
-            <a:endParaRPr lang="en-US" sz="1600" dirty="0"/>
-          </a:p>
-        </p:txBody>
-      </p:sp>
-      <p:sp>
-        <p:nvSpPr>
-          <p:cNvPr id="16" name="Shape 14"/>
-          <p:cNvSpPr/>
-          <p:nvPr/>
-        </p:nvSpPr>
-        <p:spPr>
-          <a:xfrm>
-            <a:off x="1188720" y="2743200"/>
-            <a:ext cx="7498080" cy="640080"/>
-          </a:xfrm>
-          <a:prstGeom prst="roundRect">
-            <a:avLst/>
-          </a:prstGeom>
-          <a:solidFill>
-            <a:srgbClr val="2A2A4A"/>
-          </a:solidFill>
-          <a:ln w="25400">
-            <a:solidFill>
-              <a:srgbClr val="3B82F6"/>
-            </a:solidFill>
-            <a:prstDash val="solid"/>
-          </a:ln>
-        </p:spPr>
-      </p:sp>
-      <p:sp>
-        <p:nvSpPr>
-          <p:cNvPr id="17" name="Text 15"/>
-          <p:cNvSpPr/>
-          <p:nvPr/>
-        </p:nvSpPr>
-        <p:spPr>
-          <a:xfrm>
-            <a:off x="1371600" y="2880360"/>
-            <a:ext cx="7132320" cy="411480"/>
-          </a:xfrm>
-          <a:prstGeom prst="rect">
-            <a:avLst/>
-          </a:prstGeom>
-          <a:noFill/>
-          <a:ln/>
-        </p:spPr>
-        <p:txBody>
-          <a:bodyPr wrap="square" rtlCol="0" anchor="ctr"/>
-          <a:lstStyle/>
-          <a:p>
-            <a:pPr indent="0" marL="0">
-              <a:buNone/>
-            </a:pPr>
-            <a:r>
-              <a:rPr lang="en-US" sz="1400" dirty="0">
-                <a:solidFill>
-                  <a:srgbClr val="FFFFFF"/>
-                </a:solidFill>
-                <a:latin typeface="Arial" pitchFamily="34" charset="0"/>
-                <a:ea typeface="Arial" pitchFamily="34" charset="-122"/>
-                <a:cs typeface="Arial" pitchFamily="34" charset="-120"/>
-              </a:rPr>
-              <a:t>Macro: dia livre, hobbies, natureza, social</a:t>
-            </a:r>
-            <a:endParaRPr lang="en-US" sz="1400" dirty="0"/>
-          </a:p>
-        </p:txBody>
-      </p:sp>
-      <p:sp>
-        <p:nvSpPr>
-          <p:cNvPr id="18" name="Shape 16"/>
-          <p:cNvSpPr/>
-          <p:nvPr/>
-        </p:nvSpPr>
-        <p:spPr>
-          <a:xfrm>
-            <a:off x="502920" y="3657600"/>
-            <a:ext cx="457200" cy="457200"/>
-          </a:xfrm>
-          <a:prstGeom prst="ellipse">
-            <a:avLst/>
-          </a:prstGeom>
-          <a:solidFill>
-            <a:srgbClr val="9333EA"/>
-          </a:solidFill>
-          <a:ln/>
-        </p:spPr>
-      </p:sp>
-      <p:sp>
-        <p:nvSpPr>
-          <p:cNvPr id="19" name="Text 17"/>
-          <p:cNvSpPr/>
-          <p:nvPr/>
-        </p:nvSpPr>
-        <p:spPr>
-          <a:xfrm>
-            <a:off x="502920" y="3703320"/>
-            <a:ext cx="457200" cy="365760"/>
-          </a:xfrm>
-          <a:prstGeom prst="rect">
-            <a:avLst/>
-          </a:prstGeom>
-          <a:noFill/>
-          <a:ln/>
-        </p:spPr>
-        <p:txBody>
-          <a:bodyPr wrap="square" rtlCol="0" anchor="ctr"/>
-          <a:lstStyle/>
-          <a:p>
-            <a:pPr algn="ctr" indent="0" marL="0">
-              <a:buNone/>
-            </a:pPr>
-            <a:r>
-              <a:rPr lang="en-US" sz="1600" b="1" dirty="0">
-                <a:solidFill>
-                  <a:srgbClr val="FFFFFF"/>
-                </a:solidFill>
-                <a:latin typeface="Arial" pitchFamily="34" charset="0"/>
-                <a:ea typeface="Arial" pitchFamily="34" charset="-122"/>
-                <a:cs typeface="Arial" pitchFamily="34" charset="-120"/>
-              </a:rPr>
-              <a:t>✓</a:t>
-            </a:r>
-            <a:endParaRPr lang="en-US" sz="1600" dirty="0"/>
-          </a:p>
-        </p:txBody>
-      </p:sp>
-      <p:sp>
-        <p:nvSpPr>
-          <p:cNvPr id="20" name="Shape 18"/>
-          <p:cNvSpPr/>
-          <p:nvPr/>
-        </p:nvSpPr>
-        <p:spPr>
-          <a:xfrm>
-            <a:off x="1188720" y="3566160"/>
-            <a:ext cx="7498080" cy="640080"/>
-          </a:xfrm>
-          <a:prstGeom prst="roundRect">
-            <a:avLst/>
-          </a:prstGeom>
-          <a:solidFill>
-            <a:srgbClr val="2A2A4A"/>
-          </a:solidFill>
-          <a:ln w="25400">
-            <a:solidFill>
-              <a:srgbClr val="9333EA"/>
-            </a:solidFill>
-            <a:prstDash val="solid"/>
-          </a:ln>
-        </p:spPr>
-      </p:sp>
-      <p:sp>
-        <p:nvSpPr>
-          <p:cNvPr id="21" name="Text 19"/>
-          <p:cNvSpPr/>
-          <p:nvPr/>
-        </p:nvSpPr>
-        <p:spPr>
-          <a:xfrm>
-            <a:off x="1371600" y="3703320"/>
-            <a:ext cx="7132320" cy="411480"/>
-          </a:xfrm>
-          <a:prstGeom prst="rect">
-            <a:avLst/>
-          </a:prstGeom>
-          <a:noFill/>
-          <a:ln/>
-        </p:spPr>
-        <p:txBody>
-          <a:bodyPr wrap="square" rtlCol="0" anchor="ctr"/>
-          <a:lstStyle/>
-          <a:p>
-            <a:pPr indent="0" marL="0">
-              <a:buNone/>
-            </a:pPr>
-            <a:r>
-              <a:rPr lang="en-US" sz="1400" dirty="0">
-                <a:solidFill>
-                  <a:srgbClr val="FFFFFF"/>
-                </a:solidFill>
-                <a:latin typeface="Arial" pitchFamily="34" charset="0"/>
-                <a:ea typeface="Arial" pitchFamily="34" charset="-122"/>
-                <a:cs typeface="Arial" pitchFamily="34" charset="-120"/>
-              </a:rPr>
-              <a:t>Previna burnout: reconheça sinais, ajuste carga</a:t>
-            </a:r>
-            <a:endParaRPr lang="en-US" sz="1400" dirty="0"/>
-          </a:p>
-        </p:txBody>
-      </p:sp>
       <p:pic>
         <p:nvPicPr>
-          <p:cNvPr id="22" name="Image 0" descr="preencoded.png">    </p:cNvPr>
+          <p:cNvPr id="7" name="Image 0" descr="preencoded.png">    </p:cNvPr>
           <p:cNvPicPr>
             <a:picLocks noChangeAspect="1"/>
           </p:cNvPicPr>
@@ -5973,106 +5464,46 @@
                 <a:ea typeface="Arial" pitchFamily="34" charset="-122"/>
                 <a:cs typeface="Arial" pitchFamily="34" charset="-120"/>
               </a:rPr>
-              <a:t>📝 Atividade Prática</a:t>
+              <a:t>📊 Infográfico da Aula</a:t>
             </a:r>
             <a:endParaRPr lang="en-US" sz="2000" dirty="0"/>
           </a:p>
         </p:txBody>
       </p:sp>
-      <p:sp>
-        <p:nvSpPr>
-          <p:cNvPr id="4" name="Shape 2"/>
-          <p:cNvSpPr/>
-          <p:nvPr/>
-        </p:nvSpPr>
-        <p:spPr>
-          <a:xfrm>
-            <a:off x="457200" y="1005840"/>
-            <a:ext cx="8229600" cy="2560320"/>
-          </a:xfrm>
-          <a:prstGeom prst="roundRect">
-            <a:avLst/>
-          </a:prstGeom>
-          <a:solidFill>
-            <a:srgbClr val="2A2A4A"/>
-          </a:solidFill>
-          <a:ln w="38100">
-            <a:solidFill>
-              <a:srgbClr val="22C55E"/>
-            </a:solidFill>
-            <a:prstDash val="solid"/>
-          </a:ln>
-        </p:spPr>
-      </p:sp>
-      <p:sp>
-        <p:nvSpPr>
-          <p:cNvPr id="5" name="Shape 3"/>
-          <p:cNvSpPr/>
-          <p:nvPr/>
-        </p:nvSpPr>
-        <p:spPr>
-          <a:xfrm>
-            <a:off x="731520" y="1280160"/>
-            <a:ext cx="731520" cy="731520"/>
-          </a:xfrm>
-          <a:prstGeom prst="ellipse">
-            <a:avLst/>
-          </a:prstGeom>
-          <a:solidFill>
-            <a:srgbClr val="22C55E"/>
-          </a:solidFill>
-          <a:ln/>
-        </p:spPr>
-      </p:sp>
-      <p:sp>
-        <p:nvSpPr>
-          <p:cNvPr id="6" name="Text 4"/>
-          <p:cNvSpPr/>
-          <p:nvPr/>
-        </p:nvSpPr>
-        <p:spPr>
-          <a:xfrm>
-            <a:off x="731520" y="1371600"/>
-            <a:ext cx="731520" cy="548640"/>
-          </a:xfrm>
-          <a:prstGeom prst="rect">
-            <a:avLst/>
-          </a:prstGeom>
-          <a:noFill/>
-          <a:ln/>
-        </p:spPr>
-        <p:txBody>
-          <a:bodyPr wrap="square" rtlCol="0" anchor="ctr"/>
-          <a:lstStyle/>
-          <a:p>
-            <a:pPr algn="ctr" indent="0" marL="0">
-              <a:buNone/>
-            </a:pPr>
-            <a:r>
-              <a:rPr lang="en-US" sz="2800" b="1" dirty="0">
-                <a:solidFill>
-                  <a:srgbClr val="FFFFFF"/>
-                </a:solidFill>
-                <a:latin typeface="Arial" pitchFamily="34" charset="0"/>
-                <a:ea typeface="Arial" pitchFamily="34" charset="-122"/>
-                <a:cs typeface="Arial" pitchFamily="34" charset="-120"/>
-              </a:rPr>
-              <a:t>!</a:t>
-            </a:r>
-            <a:endParaRPr lang="en-US" sz="2800" dirty="0"/>
-          </a:p>
-        </p:txBody>
-      </p:sp>
-      <p:sp>
-        <p:nvSpPr>
-          <p:cNvPr id="7" name="Text 5"/>
-          <p:cNvSpPr/>
-          <p:nvPr/>
-        </p:nvSpPr>
-        <p:spPr>
-          <a:xfrm>
-            <a:off x="1645920" y="1280160"/>
-            <a:ext cx="6858000" cy="457200"/>
+      <p:pic>
+        <p:nvPicPr>
+          <p:cNvPr id="4" name="Image 0" descr="preencoded.png">    </p:cNvPr>
+          <p:cNvPicPr>
+            <a:picLocks noChangeAspect="1"/>
+          </p:cNvPicPr>
+          <p:nvPr/>
+        </p:nvPicPr>
+        <p:blipFill>
+          <a:blip r:embed="rId1"/>
+          <a:stretch>
+            <a:fillRect/>
+          </a:stretch>
+        </p:blipFill>
+        <p:spPr>
+          <a:xfrm>
+            <a:off x="274320" y="914400"/>
+            <a:ext cx="5486400" cy="3383280"/>
+          </a:xfrm>
+          <a:prstGeom prst="rect">
+            <a:avLst/>
+          </a:prstGeom>
+        </p:spPr>
+      </p:pic>
+      <p:sp>
+        <p:nvSpPr>
+          <p:cNvPr id="5" name="Text 2"/>
+          <p:cNvSpPr/>
+          <p:nvPr/>
+        </p:nvSpPr>
+        <p:spPr>
+          <a:xfrm>
+            <a:off x="5943600" y="914400"/>
+            <a:ext cx="3017520" cy="365760"/>
           </a:xfrm>
           <a:prstGeom prst="rect">
             <a:avLst/>
@@ -6088,7 +5519,7 @@
               <a:buNone/>
             </a:pPr>
             <a:r>
-              <a:rPr lang="en-US" sz="1600" b="1" dirty="0">
+              <a:rPr lang="en-US" sz="1200" b="1" dirty="0">
                 <a:solidFill>
                   <a:srgbClr val="22C55E"/>
                 </a:solidFill>
@@ -6096,216 +5527,22 @@
                 <a:ea typeface="Arial" pitchFamily="34" charset="-122"/>
                 <a:cs typeface="Arial" pitchFamily="34" charset="-120"/>
               </a:rPr>
-              <a:t>Sua Missão:</a:t>
-            </a:r>
-            <a:endParaRPr lang="en-US" sz="1600" dirty="0"/>
-          </a:p>
-        </p:txBody>
-      </p:sp>
-      <p:sp>
-        <p:nvSpPr>
-          <p:cNvPr id="8" name="Text 6"/>
-          <p:cNvSpPr/>
-          <p:nvPr/>
-        </p:nvSpPr>
-        <p:spPr>
-          <a:xfrm>
-            <a:off x="1645920" y="1737360"/>
-            <a:ext cx="6766560" cy="1645920"/>
-          </a:xfrm>
-          <a:prstGeom prst="rect">
-            <a:avLst/>
-          </a:prstGeom>
-          <a:noFill/>
-          <a:ln/>
-        </p:spPr>
-        <p:txBody>
-          <a:bodyPr wrap="square" rtlCol="0" anchor="t"/>
-          <a:lstStyle/>
-          <a:p>
-            <a:pPr indent="0" marL="0">
-              <a:buNone/>
-            </a:pPr>
-            <a:r>
-              <a:rPr lang="en-US" sz="1400" dirty="0">
-                <a:solidFill>
-                  <a:srgbClr val="FFFFFF"/>
-                </a:solidFill>
-                <a:latin typeface="Arial" pitchFamily="34" charset="0"/>
-                <a:ea typeface="Arial" pitchFamily="34" charset="-122"/>
-                <a:cs typeface="Arial" pitchFamily="34" charset="-120"/>
-              </a:rPr>
-              <a:t>Auditoria de Recuperação:</a:t>
-            </a:r>
-            <a:endParaRPr lang="en-US" sz="1400" dirty="0"/>
-          </a:p>
-          <a:p>
-            <a:pPr indent="0" marL="0">
-              <a:buNone/>
-            </a:pPr>
-            <a:endParaRPr lang="en-US" sz="1400" dirty="0"/>
-          </a:p>
-          <a:p>
-            <a:pPr indent="0" marL="0">
-              <a:buNone/>
-            </a:pPr>
-            <a:r>
-              <a:rPr lang="en-US" sz="1400" dirty="0">
-                <a:solidFill>
-                  <a:srgbClr val="FFFFFF"/>
-                </a:solidFill>
-                <a:latin typeface="Arial" pitchFamily="34" charset="0"/>
-                <a:ea typeface="Arial" pitchFamily="34" charset="-122"/>
-                <a:cs typeface="Arial" pitchFamily="34" charset="-120"/>
-              </a:rPr>
-              <a:t>1. Semana passada: quantas pausas reais?</a:t>
-            </a:r>
-            <a:endParaRPr lang="en-US" sz="1400" dirty="0"/>
-          </a:p>
-          <a:p>
-            <a:pPr indent="0" marL="0">
-              <a:buNone/>
-            </a:pPr>
-            <a:r>
-              <a:rPr lang="en-US" sz="1400" dirty="0">
-                <a:solidFill>
-                  <a:srgbClr val="FFFFFF"/>
-                </a:solidFill>
-                <a:latin typeface="Arial" pitchFamily="34" charset="0"/>
-                <a:ea typeface="Arial" pitchFamily="34" charset="-122"/>
-                <a:cs typeface="Arial" pitchFamily="34" charset="-120"/>
-              </a:rPr>
-              <a:t>2. Teve dia de descanso completo?</a:t>
-            </a:r>
-            <a:endParaRPr lang="en-US" sz="1400" dirty="0"/>
-          </a:p>
-          <a:p>
-            <a:pPr indent="0" marL="0">
-              <a:buNone/>
-            </a:pPr>
-            <a:r>
-              <a:rPr lang="en-US" sz="1400" dirty="0">
-                <a:solidFill>
-                  <a:srgbClr val="FFFFFF"/>
-                </a:solidFill>
-                <a:latin typeface="Arial" pitchFamily="34" charset="0"/>
-                <a:ea typeface="Arial" pitchFamily="34" charset="-122"/>
-                <a:cs typeface="Arial" pitchFamily="34" charset="-120"/>
-              </a:rPr>
-              <a:t>3. Quanto tempo na natureza/ar livre?</a:t>
-            </a:r>
-            <a:endParaRPr lang="en-US" sz="1400" dirty="0"/>
-          </a:p>
-          <a:p>
-            <a:pPr indent="0" marL="0">
-              <a:buNone/>
-            </a:pPr>
-            <a:r>
-              <a:rPr lang="en-US" sz="1400" dirty="0">
-                <a:solidFill>
-                  <a:srgbClr val="FFFFFF"/>
-                </a:solidFill>
-                <a:latin typeface="Arial" pitchFamily="34" charset="0"/>
-                <a:ea typeface="Arial" pitchFamily="34" charset="-122"/>
-                <a:cs typeface="Arial" pitchFamily="34" charset="-120"/>
-              </a:rPr>
-              <a:t>4. Planeje ESTA semana com recuperação</a:t>
-            </a:r>
-            <a:endParaRPr lang="en-US" sz="1400" dirty="0"/>
-          </a:p>
-          <a:p>
-            <a:pPr indent="0" marL="0">
-              <a:buNone/>
-            </a:pPr>
-            <a:r>
-              <a:rPr lang="en-US" sz="1400" dirty="0">
-                <a:solidFill>
-                  <a:srgbClr val="FFFFFF"/>
-                </a:solidFill>
-                <a:latin typeface="Arial" pitchFamily="34" charset="0"/>
-                <a:ea typeface="Arial" pitchFamily="34" charset="-122"/>
-                <a:cs typeface="Arial" pitchFamily="34" charset="-120"/>
-              </a:rPr>
-              <a:t>5. Compare seu foco após descanso real</a:t>
-            </a:r>
-            <a:endParaRPr lang="en-US" sz="1400" dirty="0"/>
-          </a:p>
-        </p:txBody>
-      </p:sp>
-      <p:sp>
-        <p:nvSpPr>
-          <p:cNvPr id="9" name="Shape 7"/>
-          <p:cNvSpPr/>
-          <p:nvPr/>
-        </p:nvSpPr>
-        <p:spPr>
-          <a:xfrm>
-            <a:off x="457200" y="3749040"/>
-            <a:ext cx="8229600" cy="640080"/>
-          </a:xfrm>
-          <a:prstGeom prst="roundRect">
-            <a:avLst/>
-          </a:prstGeom>
-          <a:solidFill>
-            <a:srgbClr val="1E3A5F"/>
-          </a:solidFill>
-          <a:ln w="12700">
-            <a:solidFill>
-              <a:srgbClr val="667EEA"/>
-            </a:solidFill>
-            <a:prstDash val="solid"/>
-          </a:ln>
-        </p:spPr>
-      </p:sp>
-      <p:sp>
-        <p:nvSpPr>
-          <p:cNvPr id="10" name="Text 8"/>
-          <p:cNvSpPr/>
-          <p:nvPr/>
-        </p:nvSpPr>
-        <p:spPr>
-          <a:xfrm>
-            <a:off x="457200" y="3886200"/>
-            <a:ext cx="8229600" cy="365760"/>
-          </a:xfrm>
-          <a:prstGeom prst="rect">
-            <a:avLst/>
-          </a:prstGeom>
-          <a:noFill/>
-          <a:ln/>
-        </p:spPr>
-        <p:txBody>
-          <a:bodyPr wrap="square" rtlCol="0" anchor="ctr"/>
-          <a:lstStyle/>
-          <a:p>
-            <a:pPr algn="ctr" indent="0" marL="0">
-              <a:buNone/>
-            </a:pPr>
-            <a:r>
-              <a:rPr lang="en-US" sz="1300" dirty="0">
-                <a:solidFill>
-                  <a:srgbClr val="FFFFFF"/>
-                </a:solidFill>
-                <a:latin typeface="Arial" pitchFamily="34" charset="0"/>
-                <a:ea typeface="Arial" pitchFamily="34" charset="-122"/>
-                <a:cs typeface="Arial" pitchFamily="34" charset="-120"/>
-              </a:rPr>
-              <a:t>📤 Envie na área de atividades do Moodle</a:t>
-            </a:r>
-            <a:endParaRPr lang="en-US" sz="1300" dirty="0"/>
+              <a:t>Conceitos Principais:</a:t>
+            </a:r>
+            <a:endParaRPr lang="en-US" sz="1200" dirty="0"/>
           </a:p>
         </p:txBody>
       </p:sp>
       <p:pic>
         <p:nvPicPr>
-          <p:cNvPr id="11" name="Image 0" descr="preencoded.png">    </p:cNvPr>
+          <p:cNvPr id="7" name="Image 1" descr="preencoded.png">    </p:cNvPr>
           <p:cNvPicPr>
             <a:picLocks noChangeAspect="1"/>
           </p:cNvPicPr>
           <p:nvPr/>
         </p:nvPicPr>
         <p:blipFill>
-          <a:blip r:embed="rId1"/>
+          <a:blip r:embed="rId2"/>
           <a:stretch>
             <a:fillRect/>
           </a:stretch>
@@ -6405,7 +5642,7 @@
                 <a:ea typeface="Arial" pitchFamily="34" charset="-122"/>
                 <a:cs typeface="Arial" pitchFamily="34" charset="-120"/>
               </a:rPr>
-              <a:t>Aula 27 - Encerramento</a:t>
+              <a:t>📝 Atividade Prática</a:t>
             </a:r>
             <a:endParaRPr lang="en-US" sz="2000" dirty="0"/>
           </a:p>
@@ -6419,68 +5656,8 @@
         </p:nvSpPr>
         <p:spPr>
           <a:xfrm>
-            <a:off x="0" y="822960"/>
-            <a:ext cx="2743200" cy="91440"/>
-          </a:xfrm>
-          <a:prstGeom prst="rect">
-            <a:avLst/>
-          </a:prstGeom>
-          <a:solidFill>
-            <a:srgbClr val="667EEA"/>
-          </a:solidFill>
-          <a:ln/>
-        </p:spPr>
-      </p:sp>
-      <p:sp>
-        <p:nvSpPr>
-          <p:cNvPr id="5" name="Shape 3"/>
-          <p:cNvSpPr/>
-          <p:nvPr/>
-        </p:nvSpPr>
-        <p:spPr>
-          <a:xfrm>
-            <a:off x="3200400" y="822960"/>
-            <a:ext cx="2743200" cy="91440"/>
-          </a:xfrm>
-          <a:prstGeom prst="rect">
-            <a:avLst/>
-          </a:prstGeom>
-          <a:solidFill>
-            <a:srgbClr val="22C55E"/>
-          </a:solidFill>
-          <a:ln/>
-        </p:spPr>
-      </p:sp>
-      <p:sp>
-        <p:nvSpPr>
-          <p:cNvPr id="6" name="Shape 4"/>
-          <p:cNvSpPr/>
-          <p:nvPr/>
-        </p:nvSpPr>
-        <p:spPr>
-          <a:xfrm>
-            <a:off x="6400800" y="822960"/>
-            <a:ext cx="2743200" cy="91440"/>
-          </a:xfrm>
-          <a:prstGeom prst="rect">
-            <a:avLst/>
-          </a:prstGeom>
-          <a:solidFill>
-            <a:srgbClr val="3B82F6"/>
-          </a:solidFill>
-          <a:ln/>
-        </p:spPr>
-      </p:sp>
-      <p:sp>
-        <p:nvSpPr>
-          <p:cNvPr id="7" name="Shape 5"/>
-          <p:cNvSpPr/>
-          <p:nvPr/>
-        </p:nvSpPr>
-        <p:spPr>
-          <a:xfrm>
-            <a:off x="914400" y="1371600"/>
-            <a:ext cx="7315200" cy="1828800"/>
+            <a:off x="457200" y="1005840"/>
+            <a:ext cx="8229600" cy="2560320"/>
           </a:xfrm>
           <a:prstGeom prst="roundRect">
             <a:avLst/>
@@ -6488,9 +5665,9 @@
           <a:solidFill>
             <a:srgbClr val="2A2A4A"/>
           </a:solidFill>
-          <a:ln w="25400">
+          <a:ln w="38100">
             <a:solidFill>
-              <a:srgbClr val="667EEA"/>
+              <a:srgbClr val="22C55E"/>
             </a:solidFill>
             <a:prstDash val="solid"/>
           </a:ln>
@@ -6498,53 +5675,34 @@
       </p:sp>
       <p:sp>
         <p:nvSpPr>
-          <p:cNvPr id="8" name="Text 6"/>
-          <p:cNvSpPr/>
-          <p:nvPr/>
-        </p:nvSpPr>
-        <p:spPr>
-          <a:xfrm>
-            <a:off x="1097280" y="1371600"/>
-            <a:ext cx="457200" cy="731520"/>
-          </a:xfrm>
-          <a:prstGeom prst="rect">
-            <a:avLst/>
-          </a:prstGeom>
-          <a:noFill/>
-          <a:ln/>
-        </p:spPr>
-        <p:txBody>
-          <a:bodyPr wrap="square" rtlCol="0" anchor="ctr"/>
-          <a:lstStyle/>
-          <a:p>
-            <a:pPr indent="0" marL="0">
-              <a:buNone/>
-            </a:pPr>
-            <a:r>
-              <a:rPr lang="en-US" sz="4800" i="1" dirty="0">
-                <a:solidFill>
-                  <a:srgbClr val="667EEA"/>
-                </a:solidFill>
-                <a:latin typeface="Georgia" pitchFamily="34" charset="0"/>
-                <a:ea typeface="Georgia" pitchFamily="34" charset="-122"/>
-                <a:cs typeface="Georgia" pitchFamily="34" charset="-120"/>
-              </a:rPr>
-              <a:t>"</a:t>
-            </a:r>
-            <a:endParaRPr lang="en-US" sz="4800" dirty="0"/>
-          </a:p>
-        </p:txBody>
-      </p:sp>
-      <p:sp>
-        <p:nvSpPr>
-          <p:cNvPr id="9" name="Text 7"/>
-          <p:cNvSpPr/>
-          <p:nvPr/>
-        </p:nvSpPr>
-        <p:spPr>
-          <a:xfrm>
-            <a:off x="1371600" y="1737360"/>
-            <a:ext cx="6400800" cy="1097280"/>
+          <p:cNvPr id="5" name="Shape 3"/>
+          <p:cNvSpPr/>
+          <p:nvPr/>
+        </p:nvSpPr>
+        <p:spPr>
+          <a:xfrm>
+            <a:off x="731520" y="1280160"/>
+            <a:ext cx="731520" cy="731520"/>
+          </a:xfrm>
+          <a:prstGeom prst="ellipse">
+            <a:avLst/>
+          </a:prstGeom>
+          <a:solidFill>
+            <a:srgbClr val="22C55E"/>
+          </a:solidFill>
+          <a:ln/>
+        </p:spPr>
+      </p:sp>
+      <p:sp>
+        <p:nvSpPr>
+          <p:cNvPr id="6" name="Text 4"/>
+          <p:cNvSpPr/>
+          <p:nvPr/>
+        </p:nvSpPr>
+        <p:spPr>
+          <a:xfrm>
+            <a:off x="731520" y="1371600"/>
+            <a:ext cx="731520" cy="548640"/>
           </a:xfrm>
           <a:prstGeom prst="rect">
             <a:avLst/>
@@ -6560,7 +5718,7 @@
               <a:buNone/>
             </a:pPr>
             <a:r>
-              <a:rPr lang="en-US" sz="1600" i="1" dirty="0">
+              <a:rPr lang="en-US" sz="2800" b="1" dirty="0">
                 <a:solidFill>
                   <a:srgbClr val="FFFFFF"/>
                 </a:solidFill>
@@ -6568,42 +5726,22 @@
                 <a:ea typeface="Arial" pitchFamily="34" charset="-122"/>
                 <a:cs typeface="Arial" pitchFamily="34" charset="-120"/>
               </a:rPr>
-              <a:t>Descansar não é parar de trabalhar. É recarregar para trabalhar melhor e por mais tempo.</a:t>
-            </a:r>
-            <a:endParaRPr lang="en-US" sz="1600" dirty="0"/>
-          </a:p>
-        </p:txBody>
-      </p:sp>
-      <p:sp>
-        <p:nvSpPr>
-          <p:cNvPr id="10" name="Shape 8"/>
-          <p:cNvSpPr/>
-          <p:nvPr/>
-        </p:nvSpPr>
-        <p:spPr>
-          <a:xfrm>
-            <a:off x="0" y="3840480"/>
-            <a:ext cx="9144000" cy="822960"/>
-          </a:xfrm>
-          <a:prstGeom prst="rect">
-            <a:avLst/>
-          </a:prstGeom>
-          <a:solidFill>
-            <a:srgbClr val="0F172A"/>
-          </a:solidFill>
-          <a:ln/>
-        </p:spPr>
-      </p:sp>
-      <p:sp>
-        <p:nvSpPr>
-          <p:cNvPr id="11" name="Text 9"/>
-          <p:cNvSpPr/>
-          <p:nvPr/>
-        </p:nvSpPr>
-        <p:spPr>
-          <a:xfrm>
-            <a:off x="457200" y="3977640"/>
-            <a:ext cx="3657600" cy="274320"/>
+              <a:t>!</a:t>
+            </a:r>
+            <a:endParaRPr lang="en-US" sz="2800" dirty="0"/>
+          </a:p>
+        </p:txBody>
+      </p:sp>
+      <p:sp>
+        <p:nvSpPr>
+          <p:cNvPr id="7" name="Text 5"/>
+          <p:cNvSpPr/>
+          <p:nvPr/>
+        </p:nvSpPr>
+        <p:spPr>
+          <a:xfrm>
+            <a:off x="1645920" y="1280160"/>
+            <a:ext cx="6858000" cy="457200"/>
           </a:xfrm>
           <a:prstGeom prst="rect">
             <a:avLst/>
@@ -6619,7 +5757,7 @@
               <a:buNone/>
             </a:pPr>
             <a:r>
-              <a:rPr lang="en-US" sz="1400" b="1" dirty="0">
+              <a:rPr lang="en-US" sz="1600" b="1" dirty="0">
                 <a:solidFill>
                   <a:srgbClr val="22C55E"/>
                 </a:solidFill>
@@ -6627,22 +5765,22 @@
                 <a:ea typeface="Arial" pitchFamily="34" charset="-122"/>
                 <a:cs typeface="Arial" pitchFamily="34" charset="-120"/>
               </a:rPr>
-              <a:t>Educa com Talento</a:t>
-            </a:r>
-            <a:endParaRPr lang="en-US" sz="1400" dirty="0"/>
-          </a:p>
-        </p:txBody>
-      </p:sp>
-      <p:sp>
-        <p:nvSpPr>
-          <p:cNvPr id="12" name="Text 10"/>
-          <p:cNvSpPr/>
-          <p:nvPr/>
-        </p:nvSpPr>
-        <p:spPr>
-          <a:xfrm>
-            <a:off x="457200" y="4251960"/>
-            <a:ext cx="3657600" cy="228600"/>
+              <a:t>Sua Missão:</a:t>
+            </a:r>
+            <a:endParaRPr lang="en-US" sz="1600" dirty="0"/>
+          </a:p>
+        </p:txBody>
+      </p:sp>
+      <p:sp>
+        <p:nvSpPr>
+          <p:cNvPr id="8" name="Text 6"/>
+          <p:cNvSpPr/>
+          <p:nvPr/>
+        </p:nvSpPr>
+        <p:spPr>
+          <a:xfrm>
+            <a:off x="1645920" y="1737360"/>
+            <a:ext cx="6766560" cy="1645920"/>
           </a:xfrm>
           <a:prstGeom prst="rect">
             <a:avLst/>
@@ -6651,30 +5789,179 @@
           <a:ln/>
         </p:spPr>
         <p:txBody>
-          <a:bodyPr wrap="square" rtlCol="0" anchor="ctr"/>
+          <a:bodyPr wrap="square" rtlCol="0" anchor="t"/>
           <a:lstStyle/>
           <a:p>
             <a:pPr indent="0" marL="0">
               <a:buNone/>
             </a:pPr>
             <a:r>
-              <a:rPr lang="en-US" sz="1000" dirty="0">
+              <a:rPr lang="en-US" sz="1400" dirty="0">
                 <a:solidFill>
-                  <a:srgbClr val="667EEA"/>
+                  <a:srgbClr val="FFFFFF"/>
                 </a:solidFill>
                 <a:latin typeface="Arial" pitchFamily="34" charset="0"/>
                 <a:ea typeface="Arial" pitchFamily="34" charset="-122"/>
                 <a:cs typeface="Arial" pitchFamily="34" charset="-120"/>
               </a:rPr>
-              <a:t>www.educacomtalento.com.br</a:t>
-            </a:r>
-            <a:endParaRPr lang="en-US" sz="1000" dirty="0"/>
+              <a:t>1. **Avalie sua semana passada:**</a:t>
+            </a:r>
+            <a:endParaRPr lang="en-US" sz="1400" dirty="0"/>
+          </a:p>
+          <a:p>
+            <a:pPr indent="0" marL="0">
+              <a:buNone/>
+            </a:pPr>
+            <a:r>
+              <a:rPr lang="en-US" sz="1400" dirty="0">
+                <a:solidFill>
+                  <a:srgbClr val="FFFFFF"/>
+                </a:solidFill>
+                <a:latin typeface="Arial" pitchFamily="34" charset="0"/>
+                <a:ea typeface="Arial" pitchFamily="34" charset="-122"/>
+                <a:cs typeface="Arial" pitchFamily="34" charset="-120"/>
+              </a:rPr>
+              <a:t>   - Quantas pausas reais você fez?</a:t>
+            </a:r>
+            <a:endParaRPr lang="en-US" sz="1400" dirty="0"/>
+          </a:p>
+          <a:p>
+            <a:pPr indent="0" marL="0">
+              <a:buNone/>
+            </a:pPr>
+            <a:r>
+              <a:rPr lang="en-US" sz="1400" dirty="0">
+                <a:solidFill>
+                  <a:srgbClr val="FFFFFF"/>
+                </a:solidFill>
+                <a:latin typeface="Arial" pitchFamily="34" charset="0"/>
+                <a:ea typeface="Arial" pitchFamily="34" charset="-122"/>
+                <a:cs typeface="Arial" pitchFamily="34" charset="-120"/>
+              </a:rPr>
+              <a:t>   - Teve dia de descanso completo?</a:t>
+            </a:r>
+            <a:endParaRPr lang="en-US" sz="1400" dirty="0"/>
+          </a:p>
+          <a:p>
+            <a:pPr indent="0" marL="0">
+              <a:buNone/>
+            </a:pPr>
+            <a:r>
+              <a:rPr lang="en-US" sz="1400" dirty="0">
+                <a:solidFill>
+                  <a:srgbClr val="FFFFFF"/>
+                </a:solidFill>
+                <a:latin typeface="Arial" pitchFamily="34" charset="0"/>
+                <a:ea typeface="Arial" pitchFamily="34" charset="-122"/>
+                <a:cs typeface="Arial" pitchFamily="34" charset="-120"/>
+              </a:rPr>
+              <a:t>   - Quanto tempo na natureza/ar livre?</a:t>
+            </a:r>
+            <a:endParaRPr lang="en-US" sz="1400" dirty="0"/>
+          </a:p>
+          <a:p>
+            <a:pPr indent="0" marL="0">
+              <a:buNone/>
+            </a:pPr>
+            <a:r>
+              <a:rPr lang="en-US" sz="1400" dirty="0">
+                <a:solidFill>
+                  <a:srgbClr val="FFFFFF"/>
+                </a:solidFill>
+                <a:latin typeface="Arial" pitchFamily="34" charset="0"/>
+                <a:ea typeface="Arial" pitchFamily="34" charset="-122"/>
+                <a:cs typeface="Arial" pitchFamily="34" charset="-120"/>
+              </a:rPr>
+              <a:t>   - Quanto tempo em hobbies não-produtivos?</a:t>
+            </a:r>
+            <a:endParaRPr lang="en-US" sz="1400" dirty="0"/>
+          </a:p>
+          <a:p>
+            <a:pPr indent="0" marL="0">
+              <a:buNone/>
+            </a:pPr>
+            <a:r>
+              <a:rPr lang="en-US" sz="1400" dirty="0">
+                <a:solidFill>
+                  <a:srgbClr val="FFFFFF"/>
+                </a:solidFill>
+                <a:latin typeface="Arial" pitchFamily="34" charset="0"/>
+                <a:ea typeface="Arial" pitchFamily="34" charset="-122"/>
+                <a:cs typeface="Arial" pitchFamily="34" charset="-120"/>
+              </a:rPr>
+              <a:t>2. **Planeje esta semana:**</a:t>
+            </a:r>
+            <a:endParaRPr lang="en-US" sz="1400" dirty="0"/>
+          </a:p>
+        </p:txBody>
+      </p:sp>
+      <p:sp>
+        <p:nvSpPr>
+          <p:cNvPr id="9" name="Shape 7"/>
+          <p:cNvSpPr/>
+          <p:nvPr/>
+        </p:nvSpPr>
+        <p:spPr>
+          <a:xfrm>
+            <a:off x="457200" y="3749040"/>
+            <a:ext cx="8229600" cy="640080"/>
+          </a:xfrm>
+          <a:prstGeom prst="roundRect">
+            <a:avLst/>
+          </a:prstGeom>
+          <a:solidFill>
+            <a:srgbClr val="1E3A5F"/>
+          </a:solidFill>
+          <a:ln w="12700">
+            <a:solidFill>
+              <a:srgbClr val="667EEA"/>
+            </a:solidFill>
+            <a:prstDash val="solid"/>
+          </a:ln>
+        </p:spPr>
+      </p:sp>
+      <p:sp>
+        <p:nvSpPr>
+          <p:cNvPr id="10" name="Text 8"/>
+          <p:cNvSpPr/>
+          <p:nvPr/>
+        </p:nvSpPr>
+        <p:spPr>
+          <a:xfrm>
+            <a:off x="457200" y="3886200"/>
+            <a:ext cx="8229600" cy="365760"/>
+          </a:xfrm>
+          <a:prstGeom prst="rect">
+            <a:avLst/>
+          </a:prstGeom>
+          <a:noFill/>
+          <a:ln/>
+        </p:spPr>
+        <p:txBody>
+          <a:bodyPr wrap="square" rtlCol="0" anchor="ctr"/>
+          <a:lstStyle/>
+          <a:p>
+            <a:pPr algn="ctr" indent="0" marL="0">
+              <a:buNone/>
+            </a:pPr>
+            <a:r>
+              <a:rPr lang="en-US" sz="1300" dirty="0">
+                <a:solidFill>
+                  <a:srgbClr val="FFFFFF"/>
+                </a:solidFill>
+                <a:latin typeface="Arial" pitchFamily="34" charset="0"/>
+                <a:ea typeface="Arial" pitchFamily="34" charset="-122"/>
+                <a:cs typeface="Arial" pitchFamily="34" charset="-120"/>
+              </a:rPr>
+              <a:t>📤 Envie na área de atividades do Moodle</a:t>
+            </a:r>
+            <a:endParaRPr lang="en-US" sz="1300" dirty="0"/>
           </a:p>
         </p:txBody>
       </p:sp>
       <p:pic>
         <p:nvPicPr>
-          <p:cNvPr id="13" name="Image 0" descr="preencoded.png">    </p:cNvPr>
+          <p:cNvPr id="12" name="Image 0" descr="preencoded.png">    </p:cNvPr>
           <p:cNvPicPr>
             <a:picLocks noChangeAspect="1"/>
           </p:cNvPicPr>
@@ -6688,8 +5975,8 @@
         </p:blipFill>
         <p:spPr>
           <a:xfrm>
-            <a:off x="6400800" y="3886200"/>
-            <a:ext cx="2286000" cy="914400"/>
+            <a:off x="7498080" y="4389120"/>
+            <a:ext cx="1371600" cy="548640"/>
           </a:xfrm>
           <a:prstGeom prst="rect">
             <a:avLst/>
